--- a/Presentation_ Crosses and Noughts.pptx
+++ b/Presentation_ Crosses and Noughts.pptx
@@ -24,25 +24,23 @@
     <p:sldId id="269" r:id="rId19"/>
     <p:sldId id="270" r:id="rId20"/>
     <p:sldId id="271" r:id="rId21"/>
-    <p:sldId id="272" r:id="rId22"/>
-    <p:sldId id="273" r:id="rId23"/>
   </p:sldIdLst>
   <p:sldSz cy="5143500" cx="9144000"/>
   <p:notesSz cx="6858000" cy="9144000"/>
   <p:embeddedFontLst>
     <p:embeddedFont>
       <p:font typeface="Roboto"/>
-      <p:regular r:id="rId24"/>
-      <p:bold r:id="rId25"/>
-      <p:italic r:id="rId26"/>
-      <p:boldItalic r:id="rId27"/>
+      <p:regular r:id="rId22"/>
+      <p:bold r:id="rId23"/>
+      <p:italic r:id="rId24"/>
+      <p:boldItalic r:id="rId25"/>
     </p:embeddedFont>
     <p:embeddedFont>
       <p:font typeface="Merriweather"/>
-      <p:regular r:id="rId28"/>
-      <p:bold r:id="rId29"/>
-      <p:italic r:id="rId30"/>
-      <p:boldItalic r:id="rId31"/>
+      <p:regular r:id="rId26"/>
+      <p:bold r:id="rId27"/>
+      <p:italic r:id="rId28"/>
+      <p:boldItalic r:id="rId29"/>
     </p:embeddedFont>
   </p:embeddedFontLst>
   <p:defaultTextStyle>
@@ -823,7 +821,7 @@
   <p:cSld>
     <p:spTree>
       <p:nvGrpSpPr>
-        <p:cNvPr id="123" name="Shape 123"/>
+        <p:cNvPr id="124" name="Shape 124"/>
         <p:cNvGrpSpPr/>
         <p:nvPr/>
       </p:nvGrpSpPr>
@@ -837,7 +835,7 @@
       </p:grpSpPr>
       <p:sp>
         <p:nvSpPr>
-          <p:cNvPr id="124" name="Google Shape;124;g128aacc8d5f_1_0:notes"/>
+          <p:cNvPr id="125" name="Google Shape;125;g12ad87dcb38_0_5:notes"/>
           <p:cNvSpPr/>
           <p:nvPr>
             <p:ph idx="2" type="sldImg"/>
@@ -872,7 +870,7 @@
       </p:sp>
       <p:sp>
         <p:nvSpPr>
-          <p:cNvPr id="125" name="Google Shape;125;g128aacc8d5f_1_0:notes"/>
+          <p:cNvPr id="126" name="Google Shape;126;g12ad87dcb38_0_5:notes"/>
           <p:cNvSpPr txBox="1"/>
           <p:nvPr>
             <p:ph idx="1" type="body"/>
@@ -922,7 +920,7 @@
   <p:cSld>
     <p:spTree>
       <p:nvGrpSpPr>
-        <p:cNvPr id="128" name="Shape 128"/>
+        <p:cNvPr id="130" name="Shape 130"/>
         <p:cNvGrpSpPr/>
         <p:nvPr/>
       </p:nvGrpSpPr>
@@ -936,7 +934,7 @@
       </p:grpSpPr>
       <p:sp>
         <p:nvSpPr>
-          <p:cNvPr id="129" name="Google Shape;129;g12ad87dcb38_0_0:notes"/>
+          <p:cNvPr id="131" name="Google Shape;131;g12ad87dcb38_0_14:notes"/>
           <p:cNvSpPr/>
           <p:nvPr>
             <p:ph idx="2" type="sldImg"/>
@@ -971,7 +969,7 @@
       </p:sp>
       <p:sp>
         <p:nvSpPr>
-          <p:cNvPr id="130" name="Google Shape;130;g12ad87dcb38_0_0:notes"/>
+          <p:cNvPr id="132" name="Google Shape;132;g12ad87dcb38_0_14:notes"/>
           <p:cNvSpPr txBox="1"/>
           <p:nvPr>
             <p:ph idx="1" type="body"/>
@@ -1021,7 +1019,7 @@
   <p:cSld>
     <p:spTree>
       <p:nvGrpSpPr>
-        <p:cNvPr id="134" name="Shape 134"/>
+        <p:cNvPr id="139" name="Shape 139"/>
         <p:cNvGrpSpPr/>
         <p:nvPr/>
       </p:nvGrpSpPr>
@@ -1035,7 +1033,7 @@
       </p:grpSpPr>
       <p:sp>
         <p:nvSpPr>
-          <p:cNvPr id="135" name="Google Shape;135;g12ad87dcb38_0_5:notes"/>
+          <p:cNvPr id="140" name="Google Shape;140;g12ad87dcb38_0_18:notes"/>
           <p:cNvSpPr/>
           <p:nvPr>
             <p:ph idx="2" type="sldImg"/>
@@ -1070,7 +1068,7 @@
       </p:sp>
       <p:sp>
         <p:nvSpPr>
-          <p:cNvPr id="136" name="Google Shape;136;g12ad87dcb38_0_5:notes"/>
+          <p:cNvPr id="141" name="Google Shape;141;g12ad87dcb38_0_18:notes"/>
           <p:cNvSpPr txBox="1"/>
           <p:nvPr>
             <p:ph idx="1" type="body"/>
@@ -1120,7 +1118,7 @@
   <p:cSld>
     <p:spTree>
       <p:nvGrpSpPr>
-        <p:cNvPr id="140" name="Shape 140"/>
+        <p:cNvPr id="145" name="Shape 145"/>
         <p:cNvGrpSpPr/>
         <p:nvPr/>
       </p:nvGrpSpPr>
@@ -1134,7 +1132,7 @@
       </p:grpSpPr>
       <p:sp>
         <p:nvSpPr>
-          <p:cNvPr id="141" name="Google Shape;141;g12ad87dcb38_0_14:notes"/>
+          <p:cNvPr id="146" name="Google Shape;146;g12ad87dcb38_0_47:notes"/>
           <p:cNvSpPr/>
           <p:nvPr>
             <p:ph idx="2" type="sldImg"/>
@@ -1169,7 +1167,7 @@
       </p:sp>
       <p:sp>
         <p:nvSpPr>
-          <p:cNvPr id="142" name="Google Shape;142;g12ad87dcb38_0_14:notes"/>
+          <p:cNvPr id="147" name="Google Shape;147;g12ad87dcb38_0_47:notes"/>
           <p:cNvSpPr txBox="1"/>
           <p:nvPr>
             <p:ph idx="1" type="body"/>
@@ -1219,7 +1217,7 @@
   <p:cSld>
     <p:spTree>
       <p:nvGrpSpPr>
-        <p:cNvPr id="149" name="Shape 149"/>
+        <p:cNvPr id="150" name="Shape 150"/>
         <p:cNvGrpSpPr/>
         <p:nvPr/>
       </p:nvGrpSpPr>
@@ -1233,7 +1231,7 @@
       </p:grpSpPr>
       <p:sp>
         <p:nvSpPr>
-          <p:cNvPr id="150" name="Google Shape;150;g12b01abfa2f_0_1:notes"/>
+          <p:cNvPr id="151" name="Google Shape;151;g12b01abfa2f_0_1:notes"/>
           <p:cNvSpPr/>
           <p:nvPr>
             <p:ph idx="2" type="sldImg"/>
@@ -1268,7 +1266,7 @@
       </p:sp>
       <p:sp>
         <p:nvSpPr>
-          <p:cNvPr id="151" name="Google Shape;151;g12b01abfa2f_0_1:notes"/>
+          <p:cNvPr id="152" name="Google Shape;152;g12b01abfa2f_0_1:notes"/>
           <p:cNvSpPr txBox="1"/>
           <p:nvPr>
             <p:ph idx="1" type="body"/>
@@ -1318,7 +1316,7 @@
   <p:cSld>
     <p:spTree>
       <p:nvGrpSpPr>
-        <p:cNvPr id="154" name="Shape 154"/>
+        <p:cNvPr id="157" name="Shape 157"/>
         <p:cNvGrpSpPr/>
         <p:nvPr/>
       </p:nvGrpSpPr>
@@ -1332,7 +1330,7 @@
       </p:grpSpPr>
       <p:sp>
         <p:nvSpPr>
-          <p:cNvPr id="155" name="Google Shape;155;g12ad87dcb38_0_18:notes"/>
+          <p:cNvPr id="158" name="Google Shape;158;g12adb4acab6_1_0:notes"/>
           <p:cNvSpPr/>
           <p:nvPr>
             <p:ph idx="2" type="sldImg"/>
@@ -1367,7 +1365,7 @@
       </p:sp>
       <p:sp>
         <p:nvSpPr>
-          <p:cNvPr id="156" name="Google Shape;156;g12ad87dcb38_0_18:notes"/>
+          <p:cNvPr id="159" name="Google Shape;159;g12adb4acab6_1_0:notes"/>
           <p:cNvSpPr txBox="1"/>
           <p:nvPr>
             <p:ph idx="1" type="body"/>
@@ -1417,7 +1415,7 @@
   <p:cSld>
     <p:spTree>
       <p:nvGrpSpPr>
-        <p:cNvPr id="160" name="Shape 160"/>
+        <p:cNvPr id="162" name="Shape 162"/>
         <p:cNvGrpSpPr/>
         <p:nvPr/>
       </p:nvGrpSpPr>
@@ -1431,7 +1429,7 @@
       </p:grpSpPr>
       <p:sp>
         <p:nvSpPr>
-          <p:cNvPr id="161" name="Google Shape;161;g12ad87dcb38_0_47:notes"/>
+          <p:cNvPr id="163" name="Google Shape;163;g12ad87dcb38_0_42:notes"/>
           <p:cNvSpPr/>
           <p:nvPr>
             <p:ph idx="2" type="sldImg"/>
@@ -1466,205 +1464,7 @@
       </p:sp>
       <p:sp>
         <p:nvSpPr>
-          <p:cNvPr id="162" name="Google Shape;162;g12ad87dcb38_0_47:notes"/>
-          <p:cNvSpPr txBox="1"/>
-          <p:nvPr>
-            <p:ph idx="1" type="body"/>
-          </p:nvPr>
-        </p:nvSpPr>
-        <p:spPr>
-          <a:xfrm>
-            <a:off x="685800" y="4343400"/>
-            <a:ext cx="5486400" cy="4114800"/>
-          </a:xfrm>
-          <a:prstGeom prst="rect">
-            <a:avLst/>
-          </a:prstGeom>
-        </p:spPr>
-        <p:txBody>
-          <a:bodyPr anchorCtr="0" anchor="t" bIns="91425" lIns="91425" spcFirstLastPara="1" rIns="91425" wrap="square" tIns="91425">
-            <a:noAutofit/>
-          </a:bodyPr>
-          <a:lstStyle/>
-          <a:p>
-            <a:pPr indent="0" lvl="0" marL="0" rtl="0" algn="l">
-              <a:spcBef>
-                <a:spcPts val="0"/>
-              </a:spcBef>
-              <a:spcAft>
-                <a:spcPts val="0"/>
-              </a:spcAft>
-              <a:buNone/>
-            </a:pPr>
-            <a:r>
-              <a:t/>
-            </a:r>
-            <a:endParaRPr/>
-          </a:p>
-        </p:txBody>
-      </p:sp>
-    </p:spTree>
-  </p:cSld>
-  <p:clrMapOvr>
-    <a:masterClrMapping/>
-  </p:clrMapOvr>
-</p:notes>
-</file>
-
-<file path=ppt/notesSlides/notesSlide17.xml><?xml version="1.0" encoding="utf-8"?>
-<p:notes xmlns:a="http://schemas.openxmlformats.org/drawingml/2006/main" xmlns:r="http://schemas.openxmlformats.org/officeDocument/2006/relationships" xmlns:mc="http://schemas.openxmlformats.org/markup-compatibility/2006" xmlns:mv="urn:schemas-microsoft-com:mac:vml" xmlns:p="http://schemas.openxmlformats.org/presentationml/2006/main" xmlns:c="http://schemas.openxmlformats.org/drawingml/2006/chart" xmlns:dgm="http://schemas.openxmlformats.org/drawingml/2006/diagram" xmlns:o="urn:schemas-microsoft-com:office:office" xmlns:v="urn:schemas-microsoft-com:vml" xmlns:pvml="urn:schemas-microsoft-com:office:powerpoint" xmlns:com="http://schemas.openxmlformats.org/drawingml/2006/compatibility" xmlns:p14="http://schemas.microsoft.com/office/powerpoint/2010/main" xmlns:p15="http://schemas.microsoft.com/office/powerpoint/2012/main" xmlns:ahyp="http://schemas.microsoft.com/office/drawing/2018/hyperlinkcolor" showMasterPhAnim="0" showMasterSp="0">
-  <p:cSld>
-    <p:spTree>
-      <p:nvGrpSpPr>
-        <p:cNvPr id="165" name="Shape 165"/>
-        <p:cNvGrpSpPr/>
-        <p:nvPr/>
-      </p:nvGrpSpPr>
-      <p:grpSpPr>
-        <a:xfrm>
-          <a:off x="0" y="0"/>
-          <a:ext cx="0" cy="0"/>
-          <a:chOff x="0" y="0"/>
-          <a:chExt cx="0" cy="0"/>
-        </a:xfrm>
-      </p:grpSpPr>
-      <p:sp>
-        <p:nvSpPr>
-          <p:cNvPr id="166" name="Google Shape;166;g12adb4acab6_1_0:notes"/>
-          <p:cNvSpPr/>
-          <p:nvPr>
-            <p:ph idx="2" type="sldImg"/>
-          </p:nvPr>
-        </p:nvSpPr>
-        <p:spPr>
-          <a:xfrm>
-            <a:off x="381300" y="685800"/>
-            <a:ext cx="6096000" cy="3429000"/>
-          </a:xfrm>
-          <a:custGeom>
-            <a:rect b="b" l="l" r="r" t="t"/>
-            <a:pathLst>
-              <a:path extrusionOk="0" h="120000" w="120000">
-                <a:moveTo>
-                  <a:pt x="0" y="0"/>
-                </a:moveTo>
-                <a:lnTo>
-                  <a:pt x="120000" y="0"/>
-                </a:lnTo>
-                <a:lnTo>
-                  <a:pt x="120000" y="120000"/>
-                </a:lnTo>
-                <a:lnTo>
-                  <a:pt x="0" y="120000"/>
-                </a:lnTo>
-                <a:close/>
-              </a:path>
-            </a:pathLst>
-          </a:custGeom>
-        </p:spPr>
-      </p:sp>
-      <p:sp>
-        <p:nvSpPr>
-          <p:cNvPr id="167" name="Google Shape;167;g12adb4acab6_1_0:notes"/>
-          <p:cNvSpPr txBox="1"/>
-          <p:nvPr>
-            <p:ph idx="1" type="body"/>
-          </p:nvPr>
-        </p:nvSpPr>
-        <p:spPr>
-          <a:xfrm>
-            <a:off x="685800" y="4343400"/>
-            <a:ext cx="5486400" cy="4114800"/>
-          </a:xfrm>
-          <a:prstGeom prst="rect">
-            <a:avLst/>
-          </a:prstGeom>
-        </p:spPr>
-        <p:txBody>
-          <a:bodyPr anchorCtr="0" anchor="t" bIns="91425" lIns="91425" spcFirstLastPara="1" rIns="91425" wrap="square" tIns="91425">
-            <a:noAutofit/>
-          </a:bodyPr>
-          <a:lstStyle/>
-          <a:p>
-            <a:pPr indent="0" lvl="0" marL="0" rtl="0" algn="l">
-              <a:spcBef>
-                <a:spcPts val="0"/>
-              </a:spcBef>
-              <a:spcAft>
-                <a:spcPts val="0"/>
-              </a:spcAft>
-              <a:buNone/>
-            </a:pPr>
-            <a:r>
-              <a:t/>
-            </a:r>
-            <a:endParaRPr/>
-          </a:p>
-        </p:txBody>
-      </p:sp>
-    </p:spTree>
-  </p:cSld>
-  <p:clrMapOvr>
-    <a:masterClrMapping/>
-  </p:clrMapOvr>
-</p:notes>
-</file>
-
-<file path=ppt/notesSlides/notesSlide18.xml><?xml version="1.0" encoding="utf-8"?>
-<p:notes xmlns:a="http://schemas.openxmlformats.org/drawingml/2006/main" xmlns:r="http://schemas.openxmlformats.org/officeDocument/2006/relationships" xmlns:mc="http://schemas.openxmlformats.org/markup-compatibility/2006" xmlns:mv="urn:schemas-microsoft-com:mac:vml" xmlns:p="http://schemas.openxmlformats.org/presentationml/2006/main" xmlns:c="http://schemas.openxmlformats.org/drawingml/2006/chart" xmlns:dgm="http://schemas.openxmlformats.org/drawingml/2006/diagram" xmlns:o="urn:schemas-microsoft-com:office:office" xmlns:v="urn:schemas-microsoft-com:vml" xmlns:pvml="urn:schemas-microsoft-com:office:powerpoint" xmlns:com="http://schemas.openxmlformats.org/drawingml/2006/compatibility" xmlns:p14="http://schemas.microsoft.com/office/powerpoint/2010/main" xmlns:p15="http://schemas.microsoft.com/office/powerpoint/2012/main" xmlns:ahyp="http://schemas.microsoft.com/office/drawing/2018/hyperlinkcolor" showMasterPhAnim="0" showMasterSp="0">
-  <p:cSld>
-    <p:spTree>
-      <p:nvGrpSpPr>
-        <p:cNvPr id="170" name="Shape 170"/>
-        <p:cNvGrpSpPr/>
-        <p:nvPr/>
-      </p:nvGrpSpPr>
-      <p:grpSpPr>
-        <a:xfrm>
-          <a:off x="0" y="0"/>
-          <a:ext cx="0" cy="0"/>
-          <a:chOff x="0" y="0"/>
-          <a:chExt cx="0" cy="0"/>
-        </a:xfrm>
-      </p:grpSpPr>
-      <p:sp>
-        <p:nvSpPr>
-          <p:cNvPr id="171" name="Google Shape;171;g12ad87dcb38_0_42:notes"/>
-          <p:cNvSpPr/>
-          <p:nvPr>
-            <p:ph idx="2" type="sldImg"/>
-          </p:nvPr>
-        </p:nvSpPr>
-        <p:spPr>
-          <a:xfrm>
-            <a:off x="381300" y="685800"/>
-            <a:ext cx="6096000" cy="3429000"/>
-          </a:xfrm>
-          <a:custGeom>
-            <a:rect b="b" l="l" r="r" t="t"/>
-            <a:pathLst>
-              <a:path extrusionOk="0" h="120000" w="120000">
-                <a:moveTo>
-                  <a:pt x="0" y="0"/>
-                </a:moveTo>
-                <a:lnTo>
-                  <a:pt x="120000" y="0"/>
-                </a:lnTo>
-                <a:lnTo>
-                  <a:pt x="120000" y="120000"/>
-                </a:lnTo>
-                <a:lnTo>
-                  <a:pt x="0" y="120000"/>
-                </a:lnTo>
-                <a:close/>
-              </a:path>
-            </a:pathLst>
-          </a:custGeom>
-        </p:spPr>
-      </p:sp>
-      <p:sp>
-        <p:nvSpPr>
-          <p:cNvPr id="172" name="Google Shape;172;g12ad87dcb38_0_42:notes"/>
+          <p:cNvPr id="164" name="Google Shape;164;g12ad87dcb38_0_42:notes"/>
           <p:cNvSpPr txBox="1"/>
           <p:nvPr>
             <p:ph idx="1" type="body"/>
@@ -1728,7 +1528,7 @@
       </p:grpSpPr>
       <p:sp>
         <p:nvSpPr>
-          <p:cNvPr id="67" name="Google Shape;67;g128aacc8d5f_0_55:notes"/>
+          <p:cNvPr id="67" name="Google Shape;67;g128c14759a4_4_0:notes"/>
           <p:cNvSpPr/>
           <p:nvPr>
             <p:ph idx="2" type="sldImg"/>
@@ -1763,7 +1563,7 @@
       </p:sp>
       <p:sp>
         <p:nvSpPr>
-          <p:cNvPr id="68" name="Google Shape;68;g128aacc8d5f_0_55:notes"/>
+          <p:cNvPr id="68" name="Google Shape;68;g128c14759a4_4_0:notes"/>
           <p:cNvSpPr txBox="1"/>
           <p:nvPr>
             <p:ph idx="1" type="body"/>
@@ -1827,7 +1627,7 @@
       </p:grpSpPr>
       <p:sp>
         <p:nvSpPr>
-          <p:cNvPr id="72" name="Google Shape;72;g128aacc8d5f_0_120:notes"/>
+          <p:cNvPr id="72" name="Google Shape;72;g128aacc8d5f_0_73:notes"/>
           <p:cNvSpPr/>
           <p:nvPr>
             <p:ph idx="2" type="sldImg"/>
@@ -1862,7 +1662,7 @@
       </p:sp>
       <p:sp>
         <p:nvSpPr>
-          <p:cNvPr id="73" name="Google Shape;73;g128aacc8d5f_0_120:notes"/>
+          <p:cNvPr id="73" name="Google Shape;73;g128aacc8d5f_0_73:notes"/>
           <p:cNvSpPr txBox="1"/>
           <p:nvPr>
             <p:ph idx="1" type="body"/>
@@ -1912,7 +1712,7 @@
   <p:cSld>
     <p:spTree>
       <p:nvGrpSpPr>
-        <p:cNvPr id="76" name="Shape 76"/>
+        <p:cNvPr id="77" name="Shape 77"/>
         <p:cNvGrpSpPr/>
         <p:nvPr/>
       </p:nvGrpSpPr>
@@ -1926,7 +1726,7 @@
       </p:grpSpPr>
       <p:sp>
         <p:nvSpPr>
-          <p:cNvPr id="77" name="Google Shape;77;g128aacc8d5f_0_60:notes"/>
+          <p:cNvPr id="78" name="Google Shape;78;g128aacc8d5f_0_79:notes"/>
           <p:cNvSpPr/>
           <p:nvPr>
             <p:ph idx="2" type="sldImg"/>
@@ -1961,7 +1761,7 @@
       </p:sp>
       <p:sp>
         <p:nvSpPr>
-          <p:cNvPr id="78" name="Google Shape;78;g128aacc8d5f_0_60:notes"/>
+          <p:cNvPr id="79" name="Google Shape;79;g128aacc8d5f_0_79:notes"/>
           <p:cNvSpPr txBox="1"/>
           <p:nvPr>
             <p:ph idx="1" type="body"/>
@@ -2011,7 +1811,7 @@
   <p:cSld>
     <p:spTree>
       <p:nvGrpSpPr>
-        <p:cNvPr id="81" name="Shape 81"/>
+        <p:cNvPr id="85" name="Shape 85"/>
         <p:cNvGrpSpPr/>
         <p:nvPr/>
       </p:nvGrpSpPr>
@@ -2025,7 +1825,7 @@
       </p:grpSpPr>
       <p:sp>
         <p:nvSpPr>
-          <p:cNvPr id="82" name="Google Shape;82;g128aacc8d5f_0_73:notes"/>
+          <p:cNvPr id="86" name="Google Shape;86;g128aacc8d5f_0_88:notes"/>
           <p:cNvSpPr/>
           <p:nvPr>
             <p:ph idx="2" type="sldImg"/>
@@ -2060,7 +1860,7 @@
       </p:sp>
       <p:sp>
         <p:nvSpPr>
-          <p:cNvPr id="83" name="Google Shape;83;g128aacc8d5f_0_73:notes"/>
+          <p:cNvPr id="87" name="Google Shape;87;g128aacc8d5f_0_88:notes"/>
           <p:cNvSpPr txBox="1"/>
           <p:nvPr>
             <p:ph idx="1" type="body"/>
@@ -2110,7 +1910,7 @@
   <p:cSld>
     <p:spTree>
       <p:nvGrpSpPr>
-        <p:cNvPr id="87" name="Shape 87"/>
+        <p:cNvPr id="93" name="Shape 93"/>
         <p:cNvGrpSpPr/>
         <p:nvPr/>
       </p:nvGrpSpPr>
@@ -2124,7 +1924,7 @@
       </p:grpSpPr>
       <p:sp>
         <p:nvSpPr>
-          <p:cNvPr id="88" name="Google Shape;88;g128aacc8d5f_0_79:notes"/>
+          <p:cNvPr id="94" name="Google Shape;94;g128aacc8d5f_0_96:notes"/>
           <p:cNvSpPr/>
           <p:nvPr>
             <p:ph idx="2" type="sldImg"/>
@@ -2159,7 +1959,7 @@
       </p:sp>
       <p:sp>
         <p:nvSpPr>
-          <p:cNvPr id="89" name="Google Shape;89;g128aacc8d5f_0_79:notes"/>
+          <p:cNvPr id="95" name="Google Shape;95;g128aacc8d5f_0_96:notes"/>
           <p:cNvSpPr txBox="1"/>
           <p:nvPr>
             <p:ph idx="1" type="body"/>
@@ -2209,7 +2009,7 @@
   <p:cSld>
     <p:spTree>
       <p:nvGrpSpPr>
-        <p:cNvPr id="95" name="Shape 95"/>
+        <p:cNvPr id="103" name="Shape 103"/>
         <p:cNvGrpSpPr/>
         <p:nvPr/>
       </p:nvGrpSpPr>
@@ -2223,7 +2023,7 @@
       </p:grpSpPr>
       <p:sp>
         <p:nvSpPr>
-          <p:cNvPr id="96" name="Google Shape;96;g128aacc8d5f_0_88:notes"/>
+          <p:cNvPr id="104" name="Google Shape;104;g128aacc8d5f_0_100:notes"/>
           <p:cNvSpPr/>
           <p:nvPr>
             <p:ph idx="2" type="sldImg"/>
@@ -2258,7 +2058,7 @@
       </p:sp>
       <p:sp>
         <p:nvSpPr>
-          <p:cNvPr id="97" name="Google Shape;97;g128aacc8d5f_0_88:notes"/>
+          <p:cNvPr id="105" name="Google Shape;105;g128aacc8d5f_0_100:notes"/>
           <p:cNvSpPr txBox="1"/>
           <p:nvPr>
             <p:ph idx="1" type="body"/>
@@ -2308,7 +2108,7 @@
   <p:cSld>
     <p:spTree>
       <p:nvGrpSpPr>
-        <p:cNvPr id="103" name="Shape 103"/>
+        <p:cNvPr id="113" name="Shape 113"/>
         <p:cNvGrpSpPr/>
         <p:nvPr/>
       </p:nvGrpSpPr>
@@ -2322,7 +2122,7 @@
       </p:grpSpPr>
       <p:sp>
         <p:nvSpPr>
-          <p:cNvPr id="104" name="Google Shape;104;g128aacc8d5f_0_96:notes"/>
+          <p:cNvPr id="114" name="Google Shape;114;g128aacc8d5f_1_0:notes"/>
           <p:cNvSpPr/>
           <p:nvPr>
             <p:ph idx="2" type="sldImg"/>
@@ -2357,7 +2157,7 @@
       </p:sp>
       <p:sp>
         <p:nvSpPr>
-          <p:cNvPr id="105" name="Google Shape;105;g128aacc8d5f_0_96:notes"/>
+          <p:cNvPr id="115" name="Google Shape;115;g128aacc8d5f_1_0:notes"/>
           <p:cNvSpPr txBox="1"/>
           <p:nvPr>
             <p:ph idx="1" type="body"/>
@@ -2407,7 +2207,7 @@
   <p:cSld>
     <p:spTree>
       <p:nvGrpSpPr>
-        <p:cNvPr id="113" name="Shape 113"/>
+        <p:cNvPr id="118" name="Shape 118"/>
         <p:cNvGrpSpPr/>
         <p:nvPr/>
       </p:nvGrpSpPr>
@@ -2421,7 +2221,7 @@
       </p:grpSpPr>
       <p:sp>
         <p:nvSpPr>
-          <p:cNvPr id="114" name="Google Shape;114;g128aacc8d5f_0_100:notes"/>
+          <p:cNvPr id="119" name="Google Shape;119;g12ad87dcb38_0_0:notes"/>
           <p:cNvSpPr/>
           <p:nvPr>
             <p:ph idx="2" type="sldImg"/>
@@ -2456,7 +2256,7 @@
       </p:sp>
       <p:sp>
         <p:nvSpPr>
-          <p:cNvPr id="115" name="Google Shape;115;g128aacc8d5f_0_100:notes"/>
+          <p:cNvPr id="120" name="Google Shape;120;g12ad87dcb38_0_0:notes"/>
           <p:cNvSpPr txBox="1"/>
           <p:nvPr>
             <p:ph idx="1" type="body"/>
@@ -8717,7 +8517,7 @@
   <p:cSld>
     <p:spTree>
       <p:nvGrpSpPr>
-        <p:cNvPr id="126" name="Shape 126"/>
+        <p:cNvPr id="127" name="Shape 127"/>
         <p:cNvGrpSpPr/>
         <p:nvPr/>
       </p:nvGrpSpPr>
@@ -8731,7 +8531,7 @@
       </p:grpSpPr>
       <p:sp>
         <p:nvSpPr>
-          <p:cNvPr id="127" name="Google Shape;127;p22"/>
+          <p:cNvPr id="128" name="Google Shape;128;p22"/>
           <p:cNvSpPr txBox="1"/>
           <p:nvPr>
             <p:ph type="title"/>
@@ -8739,8 +8539,8 @@
         </p:nvSpPr>
         <p:spPr>
           <a:xfrm>
-            <a:off x="1448100" y="798600"/>
-            <a:ext cx="6247800" cy="3546300"/>
+            <a:off x="2603098" y="3773900"/>
+            <a:ext cx="3937800" cy="1014600"/>
           </a:xfrm>
           <a:prstGeom prst="rect">
             <a:avLst/>
@@ -8762,77 +8562,8 @@
               <a:buNone/>
             </a:pPr>
             <a:r>
-              <a:rPr lang="ru"/>
-              <a:t>Hardware improvements</a:t>
-            </a:r>
-            <a:endParaRPr/>
-          </a:p>
-        </p:txBody>
-      </p:sp>
-    </p:spTree>
-  </p:cSld>
-  <p:clrMapOvr>
-    <a:masterClrMapping/>
-  </p:clrMapOvr>
-</p:sld>
-</file>
-
-<file path=ppt/slides/slide11.xml><?xml version="1.0" encoding="utf-8"?>
-<p:sld xmlns:a="http://schemas.openxmlformats.org/drawingml/2006/main" xmlns:r="http://schemas.openxmlformats.org/officeDocument/2006/relationships" xmlns:mc="http://schemas.openxmlformats.org/markup-compatibility/2006" xmlns:mv="urn:schemas-microsoft-com:mac:vml" xmlns:p="http://schemas.openxmlformats.org/presentationml/2006/main" xmlns:c="http://schemas.openxmlformats.org/drawingml/2006/chart" xmlns:dgm="http://schemas.openxmlformats.org/drawingml/2006/diagram" xmlns:o="urn:schemas-microsoft-com:office:office" xmlns:v="urn:schemas-microsoft-com:vml" xmlns:pvml="urn:schemas-microsoft-com:office:powerpoint" xmlns:com="http://schemas.openxmlformats.org/drawingml/2006/compatibility" xmlns:p14="http://schemas.microsoft.com/office/powerpoint/2010/main" xmlns:p15="http://schemas.microsoft.com/office/powerpoint/2012/main" xmlns:ahyp="http://schemas.microsoft.com/office/drawing/2018/hyperlinkcolor">
-  <p:cSld>
-    <p:spTree>
-      <p:nvGrpSpPr>
-        <p:cNvPr id="131" name="Shape 131"/>
-        <p:cNvGrpSpPr/>
-        <p:nvPr/>
-      </p:nvGrpSpPr>
-      <p:grpSpPr>
-        <a:xfrm>
-          <a:off x="0" y="0"/>
-          <a:ext cx="0" cy="0"/>
-          <a:chOff x="0" y="0"/>
-          <a:chExt cx="0" cy="0"/>
-        </a:xfrm>
-      </p:grpSpPr>
-      <p:sp>
-        <p:nvSpPr>
-          <p:cNvPr id="132" name="Google Shape;132;p23"/>
-          <p:cNvSpPr txBox="1"/>
-          <p:nvPr>
-            <p:ph type="title"/>
-          </p:nvPr>
-        </p:nvSpPr>
-        <p:spPr>
-          <a:xfrm>
-            <a:off x="2342400" y="4045075"/>
-            <a:ext cx="4459200" cy="725400"/>
-          </a:xfrm>
-          <a:prstGeom prst="rect">
-            <a:avLst/>
-          </a:prstGeom>
-        </p:spPr>
-        <p:txBody>
-          <a:bodyPr anchorCtr="0" anchor="ctr" bIns="91425" lIns="91425" spcFirstLastPara="1" rIns="91425" wrap="square" tIns="91425">
-            <a:normAutofit/>
-          </a:bodyPr>
-          <a:lstStyle/>
-          <a:p>
-            <a:pPr indent="0" lvl="0" marL="0" rtl="0" algn="ctr">
-              <a:spcBef>
-                <a:spcPts val="0"/>
-              </a:spcBef>
-              <a:spcAft>
-                <a:spcPts val="0"/>
-              </a:spcAft>
-              <a:buNone/>
-            </a:pPr>
-            <a:r>
               <a:rPr lang="ru" sz="2000"/>
-              <a:t>I</a:t>
-            </a:r>
-            <a:r>
-              <a:rPr lang="ru" sz="2000"/>
-              <a:t>nterrupt arbiters</a:t>
+              <a:t>Count of players chip</a:t>
             </a:r>
             <a:endParaRPr sz="2000"/>
           </a:p>
@@ -8840,7 +8571,7 @@
       </p:sp>
       <p:pic>
         <p:nvPicPr>
-          <p:cNvPr id="133" name="Google Shape;133;p23"/>
+          <p:cNvPr id="129" name="Google Shape;129;p22"/>
           <p:cNvPicPr preferRelativeResize="0"/>
           <p:nvPr/>
         </p:nvPicPr>
@@ -8854,8 +8585,8 @@
         </p:blipFill>
         <p:spPr>
           <a:xfrm>
-            <a:off x="1914525" y="614363"/>
-            <a:ext cx="5314950" cy="3305175"/>
+            <a:off x="2194762" y="826200"/>
+            <a:ext cx="4754475" cy="2881500"/>
           </a:xfrm>
           <a:prstGeom prst="rect">
             <a:avLst/>
@@ -8874,12 +8605,353 @@
 </p:sld>
 </file>
 
+<file path=ppt/slides/slide11.xml><?xml version="1.0" encoding="utf-8"?>
+<p:sld xmlns:a="http://schemas.openxmlformats.org/drawingml/2006/main" xmlns:r="http://schemas.openxmlformats.org/officeDocument/2006/relationships" xmlns:mc="http://schemas.openxmlformats.org/markup-compatibility/2006" xmlns:mv="urn:schemas-microsoft-com:mac:vml" xmlns:p="http://schemas.openxmlformats.org/presentationml/2006/main" xmlns:c="http://schemas.openxmlformats.org/drawingml/2006/chart" xmlns:dgm="http://schemas.openxmlformats.org/drawingml/2006/diagram" xmlns:o="urn:schemas-microsoft-com:office:office" xmlns:v="urn:schemas-microsoft-com:vml" xmlns:pvml="urn:schemas-microsoft-com:office:powerpoint" xmlns:com="http://schemas.openxmlformats.org/drawingml/2006/compatibility" xmlns:p14="http://schemas.microsoft.com/office/powerpoint/2010/main" xmlns:p15="http://schemas.microsoft.com/office/powerpoint/2012/main" xmlns:ahyp="http://schemas.microsoft.com/office/drawing/2018/hyperlinkcolor">
+  <p:cSld>
+    <p:spTree>
+      <p:nvGrpSpPr>
+        <p:cNvPr id="133" name="Shape 133"/>
+        <p:cNvGrpSpPr/>
+        <p:nvPr/>
+      </p:nvGrpSpPr>
+      <p:grpSpPr>
+        <a:xfrm>
+          <a:off x="0" y="0"/>
+          <a:ext cx="0" cy="0"/>
+          <a:chOff x="0" y="0"/>
+          <a:chExt cx="0" cy="0"/>
+        </a:xfrm>
+      </p:grpSpPr>
+      <p:pic>
+        <p:nvPicPr>
+          <p:cNvPr id="134" name="Google Shape;134;p23"/>
+          <p:cNvPicPr preferRelativeResize="0"/>
+          <p:nvPr/>
+        </p:nvPicPr>
+        <p:blipFill rotWithShape="1">
+          <a:blip r:embed="rId3">
+            <a:alphaModFix/>
+          </a:blip>
+          <a:srcRect b="0" l="3012" r="8640" t="3297"/>
+          <a:stretch/>
+        </p:blipFill>
+        <p:spPr>
+          <a:xfrm>
+            <a:off x="5260050" y="2776825"/>
+            <a:ext cx="2588250" cy="2058275"/>
+          </a:xfrm>
+          <a:prstGeom prst="rect">
+            <a:avLst/>
+          </a:prstGeom>
+          <a:noFill/>
+          <a:ln>
+            <a:noFill/>
+          </a:ln>
+        </p:spPr>
+      </p:pic>
+      <p:pic>
+        <p:nvPicPr>
+          <p:cNvPr id="135" name="Google Shape;135;p23"/>
+          <p:cNvPicPr preferRelativeResize="0"/>
+          <p:nvPr/>
+        </p:nvPicPr>
+        <p:blipFill>
+          <a:blip r:embed="rId4">
+            <a:alphaModFix/>
+          </a:blip>
+          <a:stretch>
+            <a:fillRect/>
+          </a:stretch>
+        </p:blipFill>
+        <p:spPr>
+          <a:xfrm>
+            <a:off x="5260050" y="366988"/>
+            <a:ext cx="2588250" cy="2058275"/>
+          </a:xfrm>
+          <a:prstGeom prst="rect">
+            <a:avLst/>
+          </a:prstGeom>
+          <a:noFill/>
+          <a:ln>
+            <a:noFill/>
+          </a:ln>
+        </p:spPr>
+      </p:pic>
+      <p:cxnSp>
+        <p:nvCxnSpPr>
+          <p:cNvPr id="136" name="Google Shape;136;p23"/>
+          <p:cNvCxnSpPr>
+            <a:stCxn id="137" idx="3"/>
+          </p:cNvCxnSpPr>
+          <p:nvPr/>
+        </p:nvCxnSpPr>
+        <p:spPr>
+          <a:xfrm flipH="1" rot="10800000">
+            <a:off x="3869400" y="1812450"/>
+            <a:ext cx="1989000" cy="683100"/>
+          </a:xfrm>
+          <a:prstGeom prst="straightConnector1">
+            <a:avLst/>
+          </a:prstGeom>
+          <a:noFill/>
+          <a:ln cap="flat" cmpd="sng" w="9525">
+            <a:solidFill>
+              <a:schemeClr val="dk2"/>
+            </a:solidFill>
+            <a:prstDash val="solid"/>
+            <a:round/>
+            <a:headEnd len="med" w="med" type="none"/>
+            <a:tailEnd len="med" w="med" type="triangle"/>
+          </a:ln>
+        </p:spPr>
+      </p:cxnSp>
+      <p:cxnSp>
+        <p:nvCxnSpPr>
+          <p:cNvPr id="138" name="Google Shape;138;p23"/>
+          <p:cNvCxnSpPr>
+            <a:stCxn id="137" idx="3"/>
+          </p:cNvCxnSpPr>
+          <p:nvPr/>
+        </p:nvCxnSpPr>
+        <p:spPr>
+          <a:xfrm>
+            <a:off x="3869400" y="2495550"/>
+            <a:ext cx="1968900" cy="1667700"/>
+          </a:xfrm>
+          <a:prstGeom prst="straightConnector1">
+            <a:avLst/>
+          </a:prstGeom>
+          <a:noFill/>
+          <a:ln cap="flat" cmpd="sng" w="9525">
+            <a:solidFill>
+              <a:schemeClr val="dk2"/>
+            </a:solidFill>
+            <a:prstDash val="solid"/>
+            <a:round/>
+            <a:headEnd len="med" w="med" type="none"/>
+            <a:tailEnd len="med" w="med" type="triangle"/>
+          </a:ln>
+        </p:spPr>
+      </p:cxnSp>
+      <p:sp>
+        <p:nvSpPr>
+          <p:cNvPr id="137" name="Google Shape;137;p23"/>
+          <p:cNvSpPr txBox="1"/>
+          <p:nvPr/>
+        </p:nvSpPr>
+        <p:spPr>
+          <a:xfrm>
+            <a:off x="705000" y="1941450"/>
+            <a:ext cx="3164400" cy="1108200"/>
+          </a:xfrm>
+          <a:prstGeom prst="rect">
+            <a:avLst/>
+          </a:prstGeom>
+          <a:noFill/>
+          <a:ln>
+            <a:noFill/>
+          </a:ln>
+        </p:spPr>
+        <p:txBody>
+          <a:bodyPr anchorCtr="0" anchor="t" bIns="91425" lIns="91425" spcFirstLastPara="1" rIns="91425" wrap="square" tIns="91425">
+            <a:noAutofit/>
+          </a:bodyPr>
+          <a:lstStyle/>
+          <a:p>
+            <a:pPr indent="0" lvl="0" marL="0" rtl="0" algn="ctr">
+              <a:spcBef>
+                <a:spcPts val="0"/>
+              </a:spcBef>
+              <a:spcAft>
+                <a:spcPts val="0"/>
+              </a:spcAft>
+              <a:buNone/>
+            </a:pPr>
+            <a:r>
+              <a:rPr lang="ru" sz="2200">
+                <a:latin typeface="Roboto"/>
+                <a:ea typeface="Roboto"/>
+                <a:cs typeface="Roboto"/>
+                <a:sym typeface="Roboto"/>
+              </a:rPr>
+              <a:t>Symbol switching bit when playing between two players</a:t>
+            </a:r>
+            <a:endParaRPr sz="2200">
+              <a:latin typeface="Roboto"/>
+              <a:ea typeface="Roboto"/>
+              <a:cs typeface="Roboto"/>
+              <a:sym typeface="Roboto"/>
+            </a:endParaRPr>
+          </a:p>
+        </p:txBody>
+      </p:sp>
+    </p:spTree>
+  </p:cSld>
+  <p:clrMapOvr>
+    <a:masterClrMapping/>
+  </p:clrMapOvr>
+  <p:timing>
+    <p:tnLst>
+      <p:par>
+        <p:cTn dur="indefinite" nodeType="tmRoot" restart="never">
+          <p:childTnLst>
+            <p:seq concurrent="1" nextAc="seek">
+              <p:cTn dur="indefinite" id="2" nodeType="mainSeq">
+                <p:childTnLst>
+                  <p:par>
+                    <p:cTn fill="hold">
+                      <p:stCondLst>
+                        <p:cond delay="indefinite"/>
+                      </p:stCondLst>
+                      <p:childTnLst>
+                        <p:par>
+                          <p:cTn fill="hold">
+                            <p:stCondLst>
+                              <p:cond delay="0"/>
+                            </p:stCondLst>
+                            <p:childTnLst>
+                              <p:par>
+                                <p:cTn fill="hold" nodeType="clickEffect" presetClass="entr" presetID="10" presetSubtype="0">
+                                  <p:stCondLst>
+                                    <p:cond delay="0"/>
+                                  </p:stCondLst>
+                                  <p:childTnLst>
+                                    <p:set>
+                                      <p:cBhvr>
+                                        <p:cTn dur="1" fill="hold">
+                                          <p:stCondLst>
+                                            <p:cond delay="0"/>
+                                          </p:stCondLst>
+                                        </p:cTn>
+                                        <p:tgtEl>
+                                          <p:spTgt spid="136"/>
+                                        </p:tgtEl>
+                                        <p:attrNameLst>
+                                          <p:attrName>style.visibility</p:attrName>
+                                        </p:attrNameLst>
+                                      </p:cBhvr>
+                                      <p:to>
+                                        <p:strVal val="visible"/>
+                                      </p:to>
+                                    </p:set>
+                                    <p:animEffect filter="fade" transition="in">
+                                      <p:cBhvr>
+                                        <p:cTn dur="1000"/>
+                                        <p:tgtEl>
+                                          <p:spTgt spid="136"/>
+                                        </p:tgtEl>
+                                      </p:cBhvr>
+                                    </p:animEffect>
+                                  </p:childTnLst>
+                                </p:cTn>
+                              </p:par>
+                              <p:par>
+                                <p:cTn fill="hold" nodeType="withEffect" presetClass="entr" presetID="10" presetSubtype="0">
+                                  <p:stCondLst>
+                                    <p:cond delay="0"/>
+                                  </p:stCondLst>
+                                  <p:childTnLst>
+                                    <p:set>
+                                      <p:cBhvr>
+                                        <p:cTn dur="1" fill="hold">
+                                          <p:stCondLst>
+                                            <p:cond delay="0"/>
+                                          </p:stCondLst>
+                                        </p:cTn>
+                                        <p:tgtEl>
+                                          <p:spTgt spid="138"/>
+                                        </p:tgtEl>
+                                        <p:attrNameLst>
+                                          <p:attrName>style.visibility</p:attrName>
+                                        </p:attrNameLst>
+                                      </p:cBhvr>
+                                      <p:to>
+                                        <p:strVal val="visible"/>
+                                      </p:to>
+                                    </p:set>
+                                    <p:animEffect filter="fade" transition="in">
+                                      <p:cBhvr>
+                                        <p:cTn dur="1000"/>
+                                        <p:tgtEl>
+                                          <p:spTgt spid="138"/>
+                                        </p:tgtEl>
+                                      </p:cBhvr>
+                                    </p:animEffect>
+                                  </p:childTnLst>
+                                </p:cTn>
+                              </p:par>
+                              <p:par>
+                                <p:cTn fill="hold" nodeType="withEffect" presetClass="entr" presetID="10" presetSubtype="0">
+                                  <p:stCondLst>
+                                    <p:cond delay="0"/>
+                                  </p:stCondLst>
+                                  <p:childTnLst>
+                                    <p:set>
+                                      <p:cBhvr>
+                                        <p:cTn dur="1" fill="hold">
+                                          <p:stCondLst>
+                                            <p:cond delay="0"/>
+                                          </p:stCondLst>
+                                        </p:cTn>
+                                        <p:tgtEl>
+                                          <p:spTgt spid="137"/>
+                                        </p:tgtEl>
+                                        <p:attrNameLst>
+                                          <p:attrName>style.visibility</p:attrName>
+                                        </p:attrNameLst>
+                                      </p:cBhvr>
+                                      <p:to>
+                                        <p:strVal val="visible"/>
+                                      </p:to>
+                                    </p:set>
+                                    <p:animEffect filter="fade" transition="in">
+                                      <p:cBhvr>
+                                        <p:cTn dur="700"/>
+                                        <p:tgtEl>
+                                          <p:spTgt spid="137"/>
+                                        </p:tgtEl>
+                                      </p:cBhvr>
+                                    </p:animEffect>
+                                  </p:childTnLst>
+                                </p:cTn>
+                              </p:par>
+                            </p:childTnLst>
+                          </p:cTn>
+                        </p:par>
+                      </p:childTnLst>
+                    </p:cTn>
+                  </p:par>
+                </p:childTnLst>
+              </p:cTn>
+              <p:prevCondLst>
+                <p:cond evt="onPrev">
+                  <p:tgtEl>
+                    <p:sldTgt/>
+                  </p:tgtEl>
+                </p:cond>
+              </p:prevCondLst>
+              <p:nextCondLst>
+                <p:cond evt="onNext">
+                  <p:tgtEl>
+                    <p:sldTgt/>
+                  </p:tgtEl>
+                </p:cond>
+              </p:nextCondLst>
+            </p:seq>
+          </p:childTnLst>
+        </p:cTn>
+      </p:par>
+    </p:tnLst>
+  </p:timing>
+</p:sld>
+</file>
+
 <file path=ppt/slides/slide12.xml><?xml version="1.0" encoding="utf-8"?>
 <p:sld xmlns:a="http://schemas.openxmlformats.org/drawingml/2006/main" xmlns:r="http://schemas.openxmlformats.org/officeDocument/2006/relationships" xmlns:mc="http://schemas.openxmlformats.org/markup-compatibility/2006" xmlns:mv="urn:schemas-microsoft-com:mac:vml" xmlns:p="http://schemas.openxmlformats.org/presentationml/2006/main" xmlns:c="http://schemas.openxmlformats.org/drawingml/2006/chart" xmlns:dgm="http://schemas.openxmlformats.org/drawingml/2006/diagram" xmlns:o="urn:schemas-microsoft-com:office:office" xmlns:v="urn:schemas-microsoft-com:vml" xmlns:pvml="urn:schemas-microsoft-com:office:powerpoint" xmlns:com="http://schemas.openxmlformats.org/drawingml/2006/compatibility" xmlns:p14="http://schemas.microsoft.com/office/powerpoint/2010/main" xmlns:p15="http://schemas.microsoft.com/office/powerpoint/2012/main" xmlns:ahyp="http://schemas.microsoft.com/office/drawing/2018/hyperlinkcolor">
   <p:cSld>
     <p:spTree>
       <p:nvGrpSpPr>
-        <p:cNvPr id="137" name="Shape 137"/>
+        <p:cNvPr id="142" name="Shape 142"/>
         <p:cNvGrpSpPr/>
         <p:nvPr/>
       </p:nvGrpSpPr>
@@ -8893,7 +8965,7 @@
       </p:grpSpPr>
       <p:sp>
         <p:nvSpPr>
-          <p:cNvPr id="138" name="Google Shape;138;p24"/>
+          <p:cNvPr id="143" name="Google Shape;143;p24"/>
           <p:cNvSpPr txBox="1"/>
           <p:nvPr>
             <p:ph type="title"/>
@@ -8901,8 +8973,8 @@
         </p:nvSpPr>
         <p:spPr>
           <a:xfrm>
-            <a:off x="2391175" y="3204650"/>
-            <a:ext cx="4500300" cy="1481700"/>
+            <a:off x="2211350" y="4085450"/>
+            <a:ext cx="4560600" cy="758400"/>
           </a:xfrm>
           <a:prstGeom prst="rect">
             <a:avLst/>
@@ -8925,7 +8997,7 @@
             </a:pPr>
             <a:r>
               <a:rPr lang="ru" sz="2000"/>
-              <a:t>Count of players chip</a:t>
+              <a:t>Banks of data</a:t>
             </a:r>
             <a:endParaRPr sz="2000"/>
           </a:p>
@@ -8933,7 +9005,7 @@
       </p:sp>
       <p:pic>
         <p:nvPicPr>
-          <p:cNvPr id="139" name="Google Shape;139;p24"/>
+          <p:cNvPr id="144" name="Google Shape;144;p24"/>
           <p:cNvPicPr preferRelativeResize="0"/>
           <p:nvPr/>
         </p:nvPicPr>
@@ -8947,8 +9019,8 @@
         </p:blipFill>
         <p:spPr>
           <a:xfrm>
-            <a:off x="2194775" y="634575"/>
-            <a:ext cx="4754475" cy="2881500"/>
+            <a:off x="2482700" y="448437"/>
+            <a:ext cx="4017900" cy="3637024"/>
           </a:xfrm>
           <a:prstGeom prst="rect">
             <a:avLst/>
@@ -8972,195 +9044,7 @@
   <p:cSld>
     <p:spTree>
       <p:nvGrpSpPr>
-        <p:cNvPr id="143" name="Shape 143"/>
-        <p:cNvGrpSpPr/>
-        <p:nvPr/>
-      </p:nvGrpSpPr>
-      <p:grpSpPr>
-        <a:xfrm>
-          <a:off x="0" y="0"/>
-          <a:ext cx="0" cy="0"/>
-          <a:chOff x="0" y="0"/>
-          <a:chExt cx="0" cy="0"/>
-        </a:xfrm>
-      </p:grpSpPr>
-      <p:pic>
-        <p:nvPicPr>
-          <p:cNvPr id="144" name="Google Shape;144;p25"/>
-          <p:cNvPicPr preferRelativeResize="0"/>
-          <p:nvPr/>
-        </p:nvPicPr>
-        <p:blipFill rotWithShape="1">
-          <a:blip r:embed="rId3">
-            <a:alphaModFix/>
-          </a:blip>
-          <a:srcRect b="0" l="3012" r="8640" t="3297"/>
-          <a:stretch/>
-        </p:blipFill>
-        <p:spPr>
-          <a:xfrm>
-            <a:off x="5107650" y="2853025"/>
-            <a:ext cx="2588250" cy="2058275"/>
-          </a:xfrm>
-          <a:prstGeom prst="rect">
-            <a:avLst/>
-          </a:prstGeom>
-          <a:noFill/>
-          <a:ln>
-            <a:noFill/>
-          </a:ln>
-        </p:spPr>
-      </p:pic>
-      <p:pic>
-        <p:nvPicPr>
-          <p:cNvPr id="145" name="Google Shape;145;p25"/>
-          <p:cNvPicPr preferRelativeResize="0"/>
-          <p:nvPr/>
-        </p:nvPicPr>
-        <p:blipFill>
-          <a:blip r:embed="rId4">
-            <a:alphaModFix/>
-          </a:blip>
-          <a:stretch>
-            <a:fillRect/>
-          </a:stretch>
-        </p:blipFill>
-        <p:spPr>
-          <a:xfrm>
-            <a:off x="5107650" y="443188"/>
-            <a:ext cx="2588250" cy="2058275"/>
-          </a:xfrm>
-          <a:prstGeom prst="rect">
-            <a:avLst/>
-          </a:prstGeom>
-          <a:noFill/>
-          <a:ln>
-            <a:noFill/>
-          </a:ln>
-        </p:spPr>
-      </p:pic>
-      <p:cxnSp>
-        <p:nvCxnSpPr>
-          <p:cNvPr id="146" name="Google Shape;146;p25"/>
-          <p:cNvCxnSpPr>
-            <a:stCxn id="147" idx="3"/>
-          </p:cNvCxnSpPr>
-          <p:nvPr/>
-        </p:nvCxnSpPr>
-        <p:spPr>
-          <a:xfrm flipH="1" rot="10800000">
-            <a:off x="3717000" y="1888650"/>
-            <a:ext cx="1989000" cy="683100"/>
-          </a:xfrm>
-          <a:prstGeom prst="straightConnector1">
-            <a:avLst/>
-          </a:prstGeom>
-          <a:noFill/>
-          <a:ln cap="flat" cmpd="sng" w="9525">
-            <a:solidFill>
-              <a:schemeClr val="dk2"/>
-            </a:solidFill>
-            <a:prstDash val="solid"/>
-            <a:round/>
-            <a:headEnd len="med" w="med" type="none"/>
-            <a:tailEnd len="med" w="med" type="triangle"/>
-          </a:ln>
-        </p:spPr>
-      </p:cxnSp>
-      <p:cxnSp>
-        <p:nvCxnSpPr>
-          <p:cNvPr id="148" name="Google Shape;148;p25"/>
-          <p:cNvCxnSpPr>
-            <a:stCxn id="147" idx="3"/>
-          </p:cNvCxnSpPr>
-          <p:nvPr/>
-        </p:nvCxnSpPr>
-        <p:spPr>
-          <a:xfrm>
-            <a:off x="3717000" y="2571750"/>
-            <a:ext cx="1968900" cy="1667700"/>
-          </a:xfrm>
-          <a:prstGeom prst="straightConnector1">
-            <a:avLst/>
-          </a:prstGeom>
-          <a:noFill/>
-          <a:ln cap="flat" cmpd="sng" w="9525">
-            <a:solidFill>
-              <a:schemeClr val="dk2"/>
-            </a:solidFill>
-            <a:prstDash val="solid"/>
-            <a:round/>
-            <a:headEnd len="med" w="med" type="none"/>
-            <a:tailEnd len="med" w="med" type="triangle"/>
-          </a:ln>
-        </p:spPr>
-      </p:cxnSp>
-      <p:sp>
-        <p:nvSpPr>
-          <p:cNvPr id="147" name="Google Shape;147;p25"/>
-          <p:cNvSpPr txBox="1"/>
-          <p:nvPr/>
-        </p:nvSpPr>
-        <p:spPr>
-          <a:xfrm>
-            <a:off x="552600" y="2017650"/>
-            <a:ext cx="3164400" cy="1108200"/>
-          </a:xfrm>
-          <a:prstGeom prst="rect">
-            <a:avLst/>
-          </a:prstGeom>
-          <a:noFill/>
-          <a:ln>
-            <a:noFill/>
-          </a:ln>
-        </p:spPr>
-        <p:txBody>
-          <a:bodyPr anchorCtr="0" anchor="t" bIns="91425" lIns="91425" spcFirstLastPara="1" rIns="91425" wrap="square" tIns="91425">
-            <a:spAutoFit/>
-          </a:bodyPr>
-          <a:lstStyle/>
-          <a:p>
-            <a:pPr indent="0" lvl="0" marL="0" rtl="0" algn="ctr">
-              <a:spcBef>
-                <a:spcPts val="0"/>
-              </a:spcBef>
-              <a:spcAft>
-                <a:spcPts val="0"/>
-              </a:spcAft>
-              <a:buNone/>
-            </a:pPr>
-            <a:r>
-              <a:rPr lang="ru" sz="2000">
-                <a:latin typeface="Roboto"/>
-                <a:ea typeface="Roboto"/>
-                <a:cs typeface="Roboto"/>
-                <a:sym typeface="Roboto"/>
-              </a:rPr>
-              <a:t>Symbol switching bit when playing between two players</a:t>
-            </a:r>
-            <a:endParaRPr sz="2000">
-              <a:latin typeface="Roboto"/>
-              <a:ea typeface="Roboto"/>
-              <a:cs typeface="Roboto"/>
-              <a:sym typeface="Roboto"/>
-            </a:endParaRPr>
-          </a:p>
-        </p:txBody>
-      </p:sp>
-    </p:spTree>
-  </p:cSld>
-  <p:clrMapOvr>
-    <a:masterClrMapping/>
-  </p:clrMapOvr>
-</p:sld>
-</file>
-
-<file path=ppt/slides/slide14.xml><?xml version="1.0" encoding="utf-8"?>
-<p:sld xmlns:a="http://schemas.openxmlformats.org/drawingml/2006/main" xmlns:r="http://schemas.openxmlformats.org/officeDocument/2006/relationships" xmlns:mc="http://schemas.openxmlformats.org/markup-compatibility/2006" xmlns:mv="urn:schemas-microsoft-com:mac:vml" xmlns:p="http://schemas.openxmlformats.org/presentationml/2006/main" xmlns:c="http://schemas.openxmlformats.org/drawingml/2006/chart" xmlns:dgm="http://schemas.openxmlformats.org/drawingml/2006/diagram" xmlns:o="urn:schemas-microsoft-com:office:office" xmlns:v="urn:schemas-microsoft-com:vml" xmlns:pvml="urn:schemas-microsoft-com:office:powerpoint" xmlns:com="http://schemas.openxmlformats.org/drawingml/2006/compatibility" xmlns:p14="http://schemas.microsoft.com/office/powerpoint/2010/main" xmlns:p15="http://schemas.microsoft.com/office/powerpoint/2012/main" xmlns:ahyp="http://schemas.microsoft.com/office/drawing/2018/hyperlinkcolor">
-  <p:cSld>
-    <p:spTree>
-      <p:nvGrpSpPr>
-        <p:cNvPr id="152" name="Shape 152"/>
+        <p:cNvPr id="148" name="Shape 148"/>
         <p:cNvGrpSpPr/>
         <p:nvPr/>
       </p:nvGrpSpPr>
@@ -9174,164 +9058,7 @@
       </p:grpSpPr>
       <p:sp>
         <p:nvSpPr>
-          <p:cNvPr id="153" name="Google Shape;153;p26"/>
-          <p:cNvSpPr txBox="1"/>
-          <p:nvPr>
-            <p:ph type="title"/>
-          </p:nvPr>
-        </p:nvSpPr>
-        <p:spPr>
-          <a:xfrm>
-            <a:off x="311675" y="798600"/>
-            <a:ext cx="6247800" cy="3546300"/>
-          </a:xfrm>
-          <a:prstGeom prst="rect">
-            <a:avLst/>
-          </a:prstGeom>
-        </p:spPr>
-        <p:txBody>
-          <a:bodyPr anchorCtr="0" anchor="ctr" bIns="91425" lIns="91425" spcFirstLastPara="1" rIns="91425" wrap="square" tIns="91425">
-            <a:normAutofit/>
-          </a:bodyPr>
-          <a:lstStyle/>
-          <a:p>
-            <a:pPr indent="0" lvl="0" marL="0" rtl="0" algn="l">
-              <a:spcBef>
-                <a:spcPts val="0"/>
-              </a:spcBef>
-              <a:spcAft>
-                <a:spcPts val="0"/>
-              </a:spcAft>
-              <a:buNone/>
-            </a:pPr>
-            <a:r>
-              <a:t/>
-            </a:r>
-            <a:endParaRPr/>
-          </a:p>
-        </p:txBody>
-      </p:sp>
-    </p:spTree>
-  </p:cSld>
-  <p:clrMapOvr>
-    <a:masterClrMapping/>
-  </p:clrMapOvr>
-</p:sld>
-</file>
-
-<file path=ppt/slides/slide15.xml><?xml version="1.0" encoding="utf-8"?>
-<p:sld xmlns:a="http://schemas.openxmlformats.org/drawingml/2006/main" xmlns:r="http://schemas.openxmlformats.org/officeDocument/2006/relationships" xmlns:mc="http://schemas.openxmlformats.org/markup-compatibility/2006" xmlns:mv="urn:schemas-microsoft-com:mac:vml" xmlns:p="http://schemas.openxmlformats.org/presentationml/2006/main" xmlns:c="http://schemas.openxmlformats.org/drawingml/2006/chart" xmlns:dgm="http://schemas.openxmlformats.org/drawingml/2006/diagram" xmlns:o="urn:schemas-microsoft-com:office:office" xmlns:v="urn:schemas-microsoft-com:vml" xmlns:pvml="urn:schemas-microsoft-com:office:powerpoint" xmlns:com="http://schemas.openxmlformats.org/drawingml/2006/compatibility" xmlns:p14="http://schemas.microsoft.com/office/powerpoint/2010/main" xmlns:p15="http://schemas.microsoft.com/office/powerpoint/2012/main" xmlns:ahyp="http://schemas.microsoft.com/office/drawing/2018/hyperlinkcolor">
-  <p:cSld>
-    <p:spTree>
-      <p:nvGrpSpPr>
-        <p:cNvPr id="157" name="Shape 157"/>
-        <p:cNvGrpSpPr/>
-        <p:nvPr/>
-      </p:nvGrpSpPr>
-      <p:grpSpPr>
-        <a:xfrm>
-          <a:off x="0" y="0"/>
-          <a:ext cx="0" cy="0"/>
-          <a:chOff x="0" y="0"/>
-          <a:chExt cx="0" cy="0"/>
-        </a:xfrm>
-      </p:grpSpPr>
-      <p:sp>
-        <p:nvSpPr>
-          <p:cNvPr id="158" name="Google Shape;158;p27"/>
-          <p:cNvSpPr txBox="1"/>
-          <p:nvPr>
-            <p:ph type="title"/>
-          </p:nvPr>
-        </p:nvSpPr>
-        <p:spPr>
-          <a:xfrm>
-            <a:off x="2291700" y="3927925"/>
-            <a:ext cx="4560600" cy="758400"/>
-          </a:xfrm>
-          <a:prstGeom prst="rect">
-            <a:avLst/>
-          </a:prstGeom>
-        </p:spPr>
-        <p:txBody>
-          <a:bodyPr anchorCtr="0" anchor="ctr" bIns="91425" lIns="91425" spcFirstLastPara="1" rIns="91425" wrap="square" tIns="91425">
-            <a:normAutofit/>
-          </a:bodyPr>
-          <a:lstStyle/>
-          <a:p>
-            <a:pPr indent="0" lvl="0" marL="0" rtl="0" algn="ctr">
-              <a:spcBef>
-                <a:spcPts val="0"/>
-              </a:spcBef>
-              <a:spcAft>
-                <a:spcPts val="0"/>
-              </a:spcAft>
-              <a:buNone/>
-            </a:pPr>
-            <a:r>
-              <a:rPr lang="ru" sz="2000"/>
-              <a:t>Banks of data</a:t>
-            </a:r>
-            <a:endParaRPr sz="2000"/>
-          </a:p>
-        </p:txBody>
-      </p:sp>
-      <p:pic>
-        <p:nvPicPr>
-          <p:cNvPr id="159" name="Google Shape;159;p27"/>
-          <p:cNvPicPr preferRelativeResize="0"/>
-          <p:nvPr/>
-        </p:nvPicPr>
-        <p:blipFill>
-          <a:blip r:embed="rId3">
-            <a:alphaModFix/>
-          </a:blip>
-          <a:stretch>
-            <a:fillRect/>
-          </a:stretch>
-        </p:blipFill>
-        <p:spPr>
-          <a:xfrm>
-            <a:off x="2568600" y="98050"/>
-            <a:ext cx="4017900" cy="3637024"/>
-          </a:xfrm>
-          <a:prstGeom prst="rect">
-            <a:avLst/>
-          </a:prstGeom>
-          <a:noFill/>
-          <a:ln>
-            <a:noFill/>
-          </a:ln>
-        </p:spPr>
-      </p:pic>
-    </p:spTree>
-  </p:cSld>
-  <p:clrMapOvr>
-    <a:masterClrMapping/>
-  </p:clrMapOvr>
-</p:sld>
-</file>
-
-<file path=ppt/slides/slide16.xml><?xml version="1.0" encoding="utf-8"?>
-<p:sld xmlns:a="http://schemas.openxmlformats.org/drawingml/2006/main" xmlns:r="http://schemas.openxmlformats.org/officeDocument/2006/relationships" xmlns:mc="http://schemas.openxmlformats.org/markup-compatibility/2006" xmlns:mv="urn:schemas-microsoft-com:mac:vml" xmlns:p="http://schemas.openxmlformats.org/presentationml/2006/main" xmlns:c="http://schemas.openxmlformats.org/drawingml/2006/chart" xmlns:dgm="http://schemas.openxmlformats.org/drawingml/2006/diagram" xmlns:o="urn:schemas-microsoft-com:office:office" xmlns:v="urn:schemas-microsoft-com:vml" xmlns:pvml="urn:schemas-microsoft-com:office:powerpoint" xmlns:com="http://schemas.openxmlformats.org/drawingml/2006/compatibility" xmlns:p14="http://schemas.microsoft.com/office/powerpoint/2010/main" xmlns:p15="http://schemas.microsoft.com/office/powerpoint/2012/main" xmlns:ahyp="http://schemas.microsoft.com/office/drawing/2018/hyperlinkcolor">
-  <p:cSld>
-    <p:spTree>
-      <p:nvGrpSpPr>
-        <p:cNvPr id="163" name="Shape 163"/>
-        <p:cNvGrpSpPr/>
-        <p:nvPr/>
-      </p:nvGrpSpPr>
-      <p:grpSpPr>
-        <a:xfrm>
-          <a:off x="0" y="0"/>
-          <a:ext cx="0" cy="0"/>
-          <a:chOff x="0" y="0"/>
-          <a:chExt cx="0" cy="0"/>
-        </a:xfrm>
-      </p:grpSpPr>
-      <p:sp>
-        <p:nvSpPr>
-          <p:cNvPr id="164" name="Google Shape;164;p28"/>
+          <p:cNvPr id="149" name="Google Shape;149;p25"/>
           <p:cNvSpPr txBox="1"/>
           <p:nvPr>
             <p:ph type="title"/>
@@ -9377,12 +9104,12 @@
 </p:sld>
 </file>
 
-<file path=ppt/slides/slide17.xml><?xml version="1.0" encoding="utf-8"?>
+<file path=ppt/slides/slide14.xml><?xml version="1.0" encoding="utf-8"?>
 <p:sld xmlns:a="http://schemas.openxmlformats.org/drawingml/2006/main" xmlns:r="http://schemas.openxmlformats.org/officeDocument/2006/relationships" xmlns:mc="http://schemas.openxmlformats.org/markup-compatibility/2006" xmlns:mv="urn:schemas-microsoft-com:mac:vml" xmlns:p="http://schemas.openxmlformats.org/presentationml/2006/main" xmlns:c="http://schemas.openxmlformats.org/drawingml/2006/chart" xmlns:dgm="http://schemas.openxmlformats.org/drawingml/2006/diagram" xmlns:o="urn:schemas-microsoft-com:office:office" xmlns:v="urn:schemas-microsoft-com:vml" xmlns:pvml="urn:schemas-microsoft-com:office:powerpoint" xmlns:com="http://schemas.openxmlformats.org/drawingml/2006/compatibility" xmlns:p14="http://schemas.microsoft.com/office/powerpoint/2010/main" xmlns:p15="http://schemas.microsoft.com/office/powerpoint/2012/main" xmlns:ahyp="http://schemas.microsoft.com/office/drawing/2018/hyperlinkcolor">
   <p:cSld>
     <p:spTree>
       <p:nvGrpSpPr>
-        <p:cNvPr id="168" name="Shape 168"/>
+        <p:cNvPr id="153" name="Shape 153"/>
         <p:cNvGrpSpPr/>
         <p:nvPr/>
       </p:nvGrpSpPr>
@@ -9396,7 +9123,7 @@
       </p:grpSpPr>
       <p:sp>
         <p:nvSpPr>
-          <p:cNvPr id="169" name="Google Shape;169;p29"/>
+          <p:cNvPr id="154" name="Google Shape;154;p26"/>
           <p:cNvSpPr txBox="1"/>
           <p:nvPr>
             <p:ph type="title"/>
@@ -9404,8 +9131,8 @@
         </p:nvSpPr>
         <p:spPr>
           <a:xfrm>
-            <a:off x="311675" y="798600"/>
-            <a:ext cx="6247800" cy="3546300"/>
+            <a:off x="177825" y="1090175"/>
+            <a:ext cx="2926500" cy="3335100"/>
           </a:xfrm>
           <a:prstGeom prst="rect">
             <a:avLst/>
@@ -9413,11 +9140,14 @@
         </p:spPr>
         <p:txBody>
           <a:bodyPr anchorCtr="0" anchor="ctr" bIns="91425" lIns="91425" spcFirstLastPara="1" rIns="91425" wrap="square" tIns="91425">
-            <a:normAutofit/>
+            <a:normAutofit fontScale="90000"/>
           </a:bodyPr>
           <a:lstStyle/>
           <a:p>
-            <a:pPr indent="0" lvl="0" marL="0" rtl="0" algn="l">
+            <a:pPr indent="0" lvl="0" marL="0" marR="0" rtl="0" algn="ctr">
+              <a:lnSpc>
+                <a:spcPct val="150000"/>
+              </a:lnSpc>
               <a:spcBef>
                 <a:spcPts val="0"/>
               </a:spcBef>
@@ -9427,17 +9157,797 @@
               <a:buNone/>
             </a:pPr>
             <a:r>
-              <a:rPr lang="ru"/>
-              <a:t>Заключение</a:t>
+              <a:rPr b="1" lang="ru" sz="2422">
+                <a:solidFill>
+                  <a:srgbClr val="000000"/>
+                </a:solidFill>
+                <a:latin typeface="Roboto"/>
+                <a:ea typeface="Roboto"/>
+                <a:cs typeface="Roboto"/>
+                <a:sym typeface="Roboto"/>
+              </a:rPr>
+              <a:t>MAIN</a:t>
             </a:r>
-            <a:br>
-              <a:rPr lang="ru"/>
-            </a:br>
+            <a:endParaRPr b="1" sz="2422">
+              <a:solidFill>
+                <a:srgbClr val="000000"/>
+              </a:solidFill>
+              <a:latin typeface="Roboto"/>
+              <a:ea typeface="Roboto"/>
+              <a:cs typeface="Roboto"/>
+              <a:sym typeface="Roboto"/>
+            </a:endParaRPr>
+          </a:p>
+          <a:p>
+            <a:pPr indent="0" lvl="0" marL="0" marR="0" rtl="0" algn="ctr">
+              <a:lnSpc>
+                <a:spcPct val="150000"/>
+              </a:lnSpc>
+              <a:spcBef>
+                <a:spcPts val="0"/>
+              </a:spcBef>
+              <a:spcAft>
+                <a:spcPts val="0"/>
+              </a:spcAft>
+              <a:buNone/>
+            </a:pPr>
             <a:r>
-              <a:rPr lang="ru"/>
-              <a:t>Какие нововведения и за сколько времени всё работает</a:t>
+              <a:t/>
             </a:r>
-            <a:endParaRPr/>
+            <a:endParaRPr b="1" sz="2200">
+              <a:solidFill>
+                <a:srgbClr val="000000"/>
+              </a:solidFill>
+              <a:latin typeface="Roboto"/>
+              <a:ea typeface="Roboto"/>
+              <a:cs typeface="Roboto"/>
+              <a:sym typeface="Roboto"/>
+            </a:endParaRPr>
+          </a:p>
+          <a:p>
+            <a:pPr indent="-344169" lvl="0" marL="457200" marR="0" rtl="0" algn="just">
+              <a:lnSpc>
+                <a:spcPct val="150000"/>
+              </a:lnSpc>
+              <a:spcBef>
+                <a:spcPts val="0"/>
+              </a:spcBef>
+              <a:spcAft>
+                <a:spcPts val="0"/>
+              </a:spcAft>
+              <a:buClr>
+                <a:srgbClr val="000000"/>
+              </a:buClr>
+              <a:buSzPct val="100000"/>
+              <a:buFont typeface="Roboto"/>
+              <a:buChar char="●"/>
+            </a:pPr>
+            <a:r>
+              <a:rPr lang="ru" sz="2022">
+                <a:solidFill>
+                  <a:srgbClr val="000000"/>
+                </a:solidFill>
+                <a:latin typeface="Roboto"/>
+                <a:ea typeface="Roboto"/>
+                <a:cs typeface="Roboto"/>
+                <a:sym typeface="Roboto"/>
+              </a:rPr>
+              <a:t>distributes depending on the number of players (1 or 2)</a:t>
+            </a:r>
+            <a:endParaRPr sz="2022">
+              <a:solidFill>
+                <a:srgbClr val="000000"/>
+              </a:solidFill>
+              <a:latin typeface="Roboto"/>
+              <a:ea typeface="Roboto"/>
+              <a:cs typeface="Roboto"/>
+              <a:sym typeface="Roboto"/>
+            </a:endParaRPr>
+          </a:p>
+          <a:p>
+            <a:pPr indent="0" lvl="0" marL="457200" marR="0" rtl="0" algn="just">
+              <a:lnSpc>
+                <a:spcPct val="150000"/>
+              </a:lnSpc>
+              <a:spcBef>
+                <a:spcPts val="0"/>
+              </a:spcBef>
+              <a:spcAft>
+                <a:spcPts val="0"/>
+              </a:spcAft>
+              <a:buNone/>
+            </a:pPr>
+            <a:r>
+              <a:t/>
+            </a:r>
+            <a:endParaRPr sz="2022">
+              <a:solidFill>
+                <a:srgbClr val="000000"/>
+              </a:solidFill>
+              <a:latin typeface="Roboto"/>
+              <a:ea typeface="Roboto"/>
+              <a:cs typeface="Roboto"/>
+              <a:sym typeface="Roboto"/>
+            </a:endParaRPr>
+          </a:p>
+          <a:p>
+            <a:pPr indent="-344169" lvl="0" marL="457200" marR="0" rtl="0" algn="just">
+              <a:lnSpc>
+                <a:spcPct val="150000"/>
+              </a:lnSpc>
+              <a:spcBef>
+                <a:spcPts val="0"/>
+              </a:spcBef>
+              <a:spcAft>
+                <a:spcPts val="0"/>
+              </a:spcAft>
+              <a:buClr>
+                <a:srgbClr val="000000"/>
+              </a:buClr>
+              <a:buSzPct val="100000"/>
+              <a:buFont typeface="Roboto"/>
+              <a:buChar char="●"/>
+            </a:pPr>
+            <a:r>
+              <a:rPr lang="ru" sz="2022">
+                <a:solidFill>
+                  <a:srgbClr val="000000"/>
+                </a:solidFill>
+                <a:latin typeface="Roboto"/>
+                <a:ea typeface="Roboto"/>
+                <a:cs typeface="Roboto"/>
+                <a:sym typeface="Roboto"/>
+              </a:rPr>
+              <a:t>checks for a player's win or draw (if single mode)</a:t>
+            </a:r>
+            <a:endParaRPr sz="2022">
+              <a:solidFill>
+                <a:srgbClr val="000000"/>
+              </a:solidFill>
+              <a:latin typeface="Roboto"/>
+              <a:ea typeface="Roboto"/>
+              <a:cs typeface="Roboto"/>
+              <a:sym typeface="Roboto"/>
+            </a:endParaRPr>
+          </a:p>
+          <a:p>
+            <a:pPr indent="0" lvl="0" marL="0" marR="0" rtl="0" algn="ctr">
+              <a:lnSpc>
+                <a:spcPct val="150000"/>
+              </a:lnSpc>
+              <a:spcBef>
+                <a:spcPts val="0"/>
+              </a:spcBef>
+              <a:spcAft>
+                <a:spcPts val="0"/>
+              </a:spcAft>
+              <a:buNone/>
+            </a:pPr>
+            <a:r>
+              <a:t/>
+            </a:r>
+            <a:endParaRPr sz="2200">
+              <a:solidFill>
+                <a:srgbClr val="000000"/>
+              </a:solidFill>
+              <a:latin typeface="Roboto"/>
+              <a:ea typeface="Roboto"/>
+              <a:cs typeface="Roboto"/>
+              <a:sym typeface="Roboto"/>
+            </a:endParaRPr>
+          </a:p>
+        </p:txBody>
+      </p:sp>
+      <p:sp>
+        <p:nvSpPr>
+          <p:cNvPr id="155" name="Google Shape;155;p26"/>
+          <p:cNvSpPr txBox="1"/>
+          <p:nvPr>
+            <p:ph type="title"/>
+          </p:nvPr>
+        </p:nvSpPr>
+        <p:spPr>
+          <a:xfrm>
+            <a:off x="5903675" y="951000"/>
+            <a:ext cx="2812800" cy="3581400"/>
+          </a:xfrm>
+          <a:prstGeom prst="rect">
+            <a:avLst/>
+          </a:prstGeom>
+        </p:spPr>
+        <p:txBody>
+          <a:bodyPr anchorCtr="0" anchor="ctr" bIns="91425" lIns="91425" spcFirstLastPara="1" rIns="91425" wrap="square" tIns="91425">
+            <a:normAutofit fontScale="90000"/>
+          </a:bodyPr>
+          <a:lstStyle/>
+          <a:p>
+            <a:pPr indent="0" lvl="0" marL="0" rtl="0" algn="ctr">
+              <a:lnSpc>
+                <a:spcPct val="150000"/>
+              </a:lnSpc>
+              <a:spcBef>
+                <a:spcPts val="0"/>
+              </a:spcBef>
+              <a:spcAft>
+                <a:spcPts val="0"/>
+              </a:spcAft>
+              <a:buNone/>
+            </a:pPr>
+            <a:r>
+              <a:t/>
+            </a:r>
+            <a:endParaRPr b="1" sz="2200">
+              <a:solidFill>
+                <a:srgbClr val="000000"/>
+              </a:solidFill>
+              <a:latin typeface="Roboto"/>
+              <a:ea typeface="Roboto"/>
+              <a:cs typeface="Roboto"/>
+              <a:sym typeface="Roboto"/>
+            </a:endParaRPr>
+          </a:p>
+          <a:p>
+            <a:pPr indent="0" lvl="0" marL="0" rtl="0" algn="l">
+              <a:lnSpc>
+                <a:spcPct val="150000"/>
+              </a:lnSpc>
+              <a:spcBef>
+                <a:spcPts val="0"/>
+              </a:spcBef>
+              <a:spcAft>
+                <a:spcPts val="0"/>
+              </a:spcAft>
+              <a:buNone/>
+            </a:pPr>
+            <a:r>
+              <a:t/>
+            </a:r>
+            <a:endParaRPr b="1" sz="2400">
+              <a:solidFill>
+                <a:srgbClr val="000000"/>
+              </a:solidFill>
+              <a:latin typeface="Roboto"/>
+              <a:ea typeface="Roboto"/>
+              <a:cs typeface="Roboto"/>
+              <a:sym typeface="Roboto"/>
+            </a:endParaRPr>
+          </a:p>
+          <a:p>
+            <a:pPr indent="0" lvl="0" marL="0" rtl="0" algn="ctr">
+              <a:lnSpc>
+                <a:spcPct val="150000"/>
+              </a:lnSpc>
+              <a:spcBef>
+                <a:spcPts val="0"/>
+              </a:spcBef>
+              <a:spcAft>
+                <a:spcPts val="0"/>
+              </a:spcAft>
+              <a:buNone/>
+            </a:pPr>
+            <a:r>
+              <a:rPr b="1" lang="ru" sz="2400">
+                <a:solidFill>
+                  <a:srgbClr val="000000"/>
+                </a:solidFill>
+                <a:latin typeface="Roboto"/>
+                <a:ea typeface="Roboto"/>
+                <a:cs typeface="Roboto"/>
+                <a:sym typeface="Roboto"/>
+              </a:rPr>
+              <a:t>AI</a:t>
+            </a:r>
+            <a:endParaRPr b="1" sz="2400">
+              <a:solidFill>
+                <a:srgbClr val="000000"/>
+              </a:solidFill>
+              <a:latin typeface="Roboto"/>
+              <a:ea typeface="Roboto"/>
+              <a:cs typeface="Roboto"/>
+              <a:sym typeface="Roboto"/>
+            </a:endParaRPr>
+          </a:p>
+          <a:p>
+            <a:pPr indent="0" lvl="0" marL="0" rtl="0" algn="ctr">
+              <a:lnSpc>
+                <a:spcPct val="150000"/>
+              </a:lnSpc>
+              <a:spcBef>
+                <a:spcPts val="0"/>
+              </a:spcBef>
+              <a:spcAft>
+                <a:spcPts val="0"/>
+              </a:spcAft>
+              <a:buNone/>
+            </a:pPr>
+            <a:r>
+              <a:t/>
+            </a:r>
+            <a:endParaRPr b="1" sz="2400">
+              <a:solidFill>
+                <a:srgbClr val="000000"/>
+              </a:solidFill>
+              <a:latin typeface="Roboto"/>
+              <a:ea typeface="Roboto"/>
+              <a:cs typeface="Roboto"/>
+              <a:sym typeface="Roboto"/>
+            </a:endParaRPr>
+          </a:p>
+          <a:p>
+            <a:pPr indent="-344169" lvl="0" marL="457200" rtl="0" algn="just">
+              <a:lnSpc>
+                <a:spcPct val="150000"/>
+              </a:lnSpc>
+              <a:spcBef>
+                <a:spcPts val="0"/>
+              </a:spcBef>
+              <a:spcAft>
+                <a:spcPts val="0"/>
+              </a:spcAft>
+              <a:buClr>
+                <a:srgbClr val="000000"/>
+              </a:buClr>
+              <a:buSzPct val="100000"/>
+              <a:buFont typeface="Roboto"/>
+              <a:buChar char="●"/>
+            </a:pPr>
+            <a:r>
+              <a:rPr lang="ru" sz="2022">
+                <a:solidFill>
+                  <a:srgbClr val="000000"/>
+                </a:solidFill>
+                <a:latin typeface="Roboto"/>
+                <a:ea typeface="Roboto"/>
+                <a:cs typeface="Roboto"/>
+                <a:sym typeface="Roboto"/>
+              </a:rPr>
+              <a:t>puts the third nought in a row</a:t>
+            </a:r>
+            <a:endParaRPr sz="2022">
+              <a:solidFill>
+                <a:srgbClr val="000000"/>
+              </a:solidFill>
+              <a:latin typeface="Roboto"/>
+              <a:ea typeface="Roboto"/>
+              <a:cs typeface="Roboto"/>
+              <a:sym typeface="Roboto"/>
+            </a:endParaRPr>
+          </a:p>
+          <a:p>
+            <a:pPr indent="-344169" lvl="0" marL="457200" rtl="0" algn="just">
+              <a:lnSpc>
+                <a:spcPct val="150000"/>
+              </a:lnSpc>
+              <a:spcBef>
+                <a:spcPts val="0"/>
+              </a:spcBef>
+              <a:spcAft>
+                <a:spcPts val="0"/>
+              </a:spcAft>
+              <a:buClr>
+                <a:srgbClr val="000000"/>
+              </a:buClr>
+              <a:buSzPct val="100000"/>
+              <a:buFont typeface="Roboto"/>
+              <a:buChar char="●"/>
+            </a:pPr>
+            <a:r>
+              <a:rPr lang="ru" sz="2022">
+                <a:solidFill>
+                  <a:srgbClr val="000000"/>
+                </a:solidFill>
+                <a:latin typeface="Roboto"/>
+                <a:ea typeface="Roboto"/>
+                <a:cs typeface="Roboto"/>
+                <a:sym typeface="Roboto"/>
+              </a:rPr>
+              <a:t>blocks 2 crosses in a row with a nought</a:t>
+            </a:r>
+            <a:endParaRPr sz="2022">
+              <a:solidFill>
+                <a:srgbClr val="000000"/>
+              </a:solidFill>
+              <a:latin typeface="Roboto"/>
+              <a:ea typeface="Roboto"/>
+              <a:cs typeface="Roboto"/>
+              <a:sym typeface="Roboto"/>
+            </a:endParaRPr>
+          </a:p>
+          <a:p>
+            <a:pPr indent="-344169" lvl="0" marL="457200" rtl="0" algn="just">
+              <a:lnSpc>
+                <a:spcPct val="150000"/>
+              </a:lnSpc>
+              <a:spcBef>
+                <a:spcPts val="0"/>
+              </a:spcBef>
+              <a:spcAft>
+                <a:spcPts val="0"/>
+              </a:spcAft>
+              <a:buClr>
+                <a:srgbClr val="000000"/>
+              </a:buClr>
+              <a:buSzPct val="100000"/>
+              <a:buFont typeface="Roboto"/>
+              <a:buChar char="●"/>
+            </a:pPr>
+            <a:r>
+              <a:rPr lang="ru" sz="2022">
+                <a:solidFill>
+                  <a:srgbClr val="000000"/>
+                </a:solidFill>
+                <a:latin typeface="Roboto"/>
+                <a:ea typeface="Roboto"/>
+                <a:cs typeface="Roboto"/>
+                <a:sym typeface="Roboto"/>
+              </a:rPr>
+              <a:t>puts a nought in the middle and corners</a:t>
+            </a:r>
+            <a:endParaRPr sz="2022">
+              <a:solidFill>
+                <a:srgbClr val="000000"/>
+              </a:solidFill>
+              <a:latin typeface="Roboto"/>
+              <a:ea typeface="Roboto"/>
+              <a:cs typeface="Roboto"/>
+              <a:sym typeface="Roboto"/>
+            </a:endParaRPr>
+          </a:p>
+          <a:p>
+            <a:pPr indent="0" lvl="0" marL="0" rtl="0" algn="ctr">
+              <a:lnSpc>
+                <a:spcPct val="115000"/>
+              </a:lnSpc>
+              <a:spcBef>
+                <a:spcPts val="0"/>
+              </a:spcBef>
+              <a:spcAft>
+                <a:spcPts val="0"/>
+              </a:spcAft>
+              <a:buNone/>
+            </a:pPr>
+            <a:r>
+              <a:t/>
+            </a:r>
+            <a:endParaRPr sz="2200">
+              <a:solidFill>
+                <a:srgbClr val="000000"/>
+              </a:solidFill>
+              <a:latin typeface="Roboto"/>
+              <a:ea typeface="Roboto"/>
+              <a:cs typeface="Roboto"/>
+              <a:sym typeface="Roboto"/>
+            </a:endParaRPr>
+          </a:p>
+          <a:p>
+            <a:pPr indent="0" lvl="0" marL="0" rtl="0" algn="ctr">
+              <a:lnSpc>
+                <a:spcPct val="150000"/>
+              </a:lnSpc>
+              <a:spcBef>
+                <a:spcPts val="0"/>
+              </a:spcBef>
+              <a:spcAft>
+                <a:spcPts val="0"/>
+              </a:spcAft>
+              <a:buNone/>
+            </a:pPr>
+            <a:r>
+              <a:t/>
+            </a:r>
+            <a:endParaRPr sz="2200">
+              <a:solidFill>
+                <a:srgbClr val="000000"/>
+              </a:solidFill>
+              <a:latin typeface="Roboto"/>
+              <a:ea typeface="Roboto"/>
+              <a:cs typeface="Roboto"/>
+              <a:sym typeface="Roboto"/>
+            </a:endParaRPr>
+          </a:p>
+          <a:p>
+            <a:pPr indent="0" lvl="0" marL="0" rtl="0" algn="ctr">
+              <a:lnSpc>
+                <a:spcPct val="150000"/>
+              </a:lnSpc>
+              <a:spcBef>
+                <a:spcPts val="0"/>
+              </a:spcBef>
+              <a:spcAft>
+                <a:spcPts val="0"/>
+              </a:spcAft>
+              <a:buNone/>
+            </a:pPr>
+            <a:r>
+              <a:t/>
+            </a:r>
+            <a:endParaRPr sz="2200">
+              <a:solidFill>
+                <a:srgbClr val="000000"/>
+              </a:solidFill>
+              <a:latin typeface="Roboto"/>
+              <a:ea typeface="Roboto"/>
+              <a:cs typeface="Roboto"/>
+              <a:sym typeface="Roboto"/>
+            </a:endParaRPr>
+          </a:p>
+          <a:p>
+            <a:pPr indent="0" lvl="0" marL="0" marR="0" rtl="0" algn="ctr">
+              <a:lnSpc>
+                <a:spcPct val="150000"/>
+              </a:lnSpc>
+              <a:spcBef>
+                <a:spcPts val="0"/>
+              </a:spcBef>
+              <a:spcAft>
+                <a:spcPts val="0"/>
+              </a:spcAft>
+              <a:buNone/>
+            </a:pPr>
+            <a:r>
+              <a:t/>
+            </a:r>
+            <a:endParaRPr sz="2200">
+              <a:solidFill>
+                <a:srgbClr val="000000"/>
+              </a:solidFill>
+              <a:latin typeface="Roboto"/>
+              <a:ea typeface="Roboto"/>
+              <a:cs typeface="Roboto"/>
+              <a:sym typeface="Roboto"/>
+            </a:endParaRPr>
+          </a:p>
+        </p:txBody>
+      </p:sp>
+      <p:sp>
+        <p:nvSpPr>
+          <p:cNvPr id="156" name="Google Shape;156;p26"/>
+          <p:cNvSpPr txBox="1"/>
+          <p:nvPr>
+            <p:ph type="title"/>
+          </p:nvPr>
+        </p:nvSpPr>
+        <p:spPr>
+          <a:xfrm>
+            <a:off x="3010950" y="844550"/>
+            <a:ext cx="2812800" cy="2895000"/>
+          </a:xfrm>
+          <a:prstGeom prst="rect">
+            <a:avLst/>
+          </a:prstGeom>
+        </p:spPr>
+        <p:txBody>
+          <a:bodyPr anchorCtr="0" anchor="ctr" bIns="91425" lIns="91425" spcFirstLastPara="1" rIns="91425" wrap="square" tIns="91425">
+            <a:normAutofit fontScale="90000"/>
+          </a:bodyPr>
+          <a:lstStyle/>
+          <a:p>
+            <a:pPr indent="0" lvl="0" marL="0" rtl="0" algn="ctr">
+              <a:lnSpc>
+                <a:spcPct val="115000"/>
+              </a:lnSpc>
+              <a:spcBef>
+                <a:spcPts val="0"/>
+              </a:spcBef>
+              <a:spcAft>
+                <a:spcPts val="0"/>
+              </a:spcAft>
+              <a:buNone/>
+            </a:pPr>
+            <a:r>
+              <a:rPr b="1" lang="ru" sz="2422">
+                <a:solidFill>
+                  <a:srgbClr val="000000"/>
+                </a:solidFill>
+                <a:latin typeface="Roboto"/>
+                <a:ea typeface="Roboto"/>
+                <a:cs typeface="Roboto"/>
+                <a:sym typeface="Roboto"/>
+              </a:rPr>
+              <a:t>Game mode</a:t>
+            </a:r>
+            <a:endParaRPr b="1" sz="2422">
+              <a:solidFill>
+                <a:srgbClr val="000000"/>
+              </a:solidFill>
+              <a:latin typeface="Roboto"/>
+              <a:ea typeface="Roboto"/>
+              <a:cs typeface="Roboto"/>
+              <a:sym typeface="Roboto"/>
+            </a:endParaRPr>
+          </a:p>
+          <a:p>
+            <a:pPr indent="0" lvl="0" marL="0" rtl="0" algn="ctr">
+              <a:lnSpc>
+                <a:spcPct val="115000"/>
+              </a:lnSpc>
+              <a:spcBef>
+                <a:spcPts val="0"/>
+              </a:spcBef>
+              <a:spcAft>
+                <a:spcPts val="0"/>
+              </a:spcAft>
+              <a:buNone/>
+            </a:pPr>
+            <a:r>
+              <a:rPr b="1" lang="ru" sz="2422">
+                <a:solidFill>
+                  <a:srgbClr val="000000"/>
+                </a:solidFill>
+                <a:latin typeface="Roboto"/>
+                <a:ea typeface="Roboto"/>
+                <a:cs typeface="Roboto"/>
+                <a:sym typeface="Roboto"/>
+              </a:rPr>
+              <a:t>for two</a:t>
+            </a:r>
+            <a:endParaRPr b="1" sz="2422">
+              <a:solidFill>
+                <a:srgbClr val="000000"/>
+              </a:solidFill>
+              <a:latin typeface="Roboto"/>
+              <a:ea typeface="Roboto"/>
+              <a:cs typeface="Roboto"/>
+              <a:sym typeface="Roboto"/>
+            </a:endParaRPr>
+          </a:p>
+          <a:p>
+            <a:pPr indent="0" lvl="0" marL="0" rtl="0" algn="ctr">
+              <a:lnSpc>
+                <a:spcPct val="115000"/>
+              </a:lnSpc>
+              <a:spcBef>
+                <a:spcPts val="0"/>
+              </a:spcBef>
+              <a:spcAft>
+                <a:spcPts val="0"/>
+              </a:spcAft>
+              <a:buNone/>
+            </a:pPr>
+            <a:r>
+              <a:t/>
+            </a:r>
+            <a:endParaRPr b="1" sz="2200">
+              <a:solidFill>
+                <a:srgbClr val="000000"/>
+              </a:solidFill>
+              <a:latin typeface="Roboto"/>
+              <a:ea typeface="Roboto"/>
+              <a:cs typeface="Roboto"/>
+              <a:sym typeface="Roboto"/>
+            </a:endParaRPr>
+          </a:p>
+          <a:p>
+            <a:pPr indent="-342900" lvl="0" marL="457200" rtl="0" algn="ctr">
+              <a:lnSpc>
+                <a:spcPct val="150000"/>
+              </a:lnSpc>
+              <a:spcBef>
+                <a:spcPts val="0"/>
+              </a:spcBef>
+              <a:spcAft>
+                <a:spcPts val="0"/>
+              </a:spcAft>
+              <a:buClr>
+                <a:srgbClr val="000000"/>
+              </a:buClr>
+              <a:buSzPct val="98901"/>
+              <a:buFont typeface="Roboto"/>
+              <a:buChar char="●"/>
+            </a:pPr>
+            <a:r>
+              <a:rPr lang="ru" sz="2022">
+                <a:solidFill>
+                  <a:srgbClr val="000000"/>
+                </a:solidFill>
+                <a:latin typeface="Roboto"/>
+                <a:ea typeface="Roboto"/>
+                <a:cs typeface="Roboto"/>
+                <a:sym typeface="Roboto"/>
+              </a:rPr>
+              <a:t>checks for the victory of noughts</a:t>
+            </a:r>
+            <a:endParaRPr sz="2022">
+              <a:solidFill>
+                <a:srgbClr val="000000"/>
+              </a:solidFill>
+              <a:latin typeface="Roboto"/>
+              <a:ea typeface="Roboto"/>
+              <a:cs typeface="Roboto"/>
+              <a:sym typeface="Roboto"/>
+            </a:endParaRPr>
+          </a:p>
+          <a:p>
+            <a:pPr indent="0" lvl="0" marL="457200" rtl="0" algn="ctr">
+              <a:lnSpc>
+                <a:spcPct val="150000"/>
+              </a:lnSpc>
+              <a:spcBef>
+                <a:spcPts val="0"/>
+              </a:spcBef>
+              <a:spcAft>
+                <a:spcPts val="0"/>
+              </a:spcAft>
+              <a:buNone/>
+            </a:pPr>
+            <a:r>
+              <a:t/>
+            </a:r>
+            <a:endParaRPr sz="2022">
+              <a:solidFill>
+                <a:srgbClr val="000000"/>
+              </a:solidFill>
+              <a:latin typeface="Roboto"/>
+              <a:ea typeface="Roboto"/>
+              <a:cs typeface="Roboto"/>
+              <a:sym typeface="Roboto"/>
+            </a:endParaRPr>
+          </a:p>
+          <a:p>
+            <a:pPr indent="-342900" lvl="0" marL="457200" rtl="0" algn="ctr">
+              <a:lnSpc>
+                <a:spcPct val="150000"/>
+              </a:lnSpc>
+              <a:spcBef>
+                <a:spcPts val="0"/>
+              </a:spcBef>
+              <a:spcAft>
+                <a:spcPts val="0"/>
+              </a:spcAft>
+              <a:buClr>
+                <a:srgbClr val="000000"/>
+              </a:buClr>
+              <a:buSzPct val="98901"/>
+              <a:buFont typeface="Roboto"/>
+              <a:buChar char="●"/>
+            </a:pPr>
+            <a:r>
+              <a:rPr lang="ru" sz="2022">
+                <a:solidFill>
+                  <a:srgbClr val="000000"/>
+                </a:solidFill>
+                <a:latin typeface="Roboto"/>
+                <a:ea typeface="Roboto"/>
+                <a:cs typeface="Roboto"/>
+                <a:sym typeface="Roboto"/>
+              </a:rPr>
+              <a:t>checks for the victory of crosses</a:t>
+            </a:r>
+            <a:endParaRPr sz="2022">
+              <a:solidFill>
+                <a:srgbClr val="000000"/>
+              </a:solidFill>
+              <a:latin typeface="Roboto"/>
+              <a:ea typeface="Roboto"/>
+              <a:cs typeface="Roboto"/>
+              <a:sym typeface="Roboto"/>
+            </a:endParaRPr>
+          </a:p>
+          <a:p>
+            <a:pPr indent="0" lvl="0" marL="0" rtl="0" algn="ctr">
+              <a:lnSpc>
+                <a:spcPct val="115000"/>
+              </a:lnSpc>
+              <a:spcBef>
+                <a:spcPts val="0"/>
+              </a:spcBef>
+              <a:spcAft>
+                <a:spcPts val="0"/>
+              </a:spcAft>
+              <a:buNone/>
+            </a:pPr>
+            <a:r>
+              <a:t/>
+            </a:r>
+            <a:endParaRPr b="1" sz="2200">
+              <a:solidFill>
+                <a:srgbClr val="000000"/>
+              </a:solidFill>
+              <a:latin typeface="Roboto"/>
+              <a:ea typeface="Roboto"/>
+              <a:cs typeface="Roboto"/>
+              <a:sym typeface="Roboto"/>
+            </a:endParaRPr>
           </a:p>
         </p:txBody>
       </p:sp>
@@ -9449,12 +9959,359 @@
 </p:sld>
 </file>
 
-<file path=ppt/slides/slide18.xml><?xml version="1.0" encoding="utf-8"?>
+<file path=ppt/slides/slide15.xml><?xml version="1.0" encoding="utf-8"?>
 <p:sld xmlns:a="http://schemas.openxmlformats.org/drawingml/2006/main" xmlns:r="http://schemas.openxmlformats.org/officeDocument/2006/relationships" xmlns:mc="http://schemas.openxmlformats.org/markup-compatibility/2006" xmlns:mv="urn:schemas-microsoft-com:mac:vml" xmlns:p="http://schemas.openxmlformats.org/presentationml/2006/main" xmlns:c="http://schemas.openxmlformats.org/drawingml/2006/chart" xmlns:dgm="http://schemas.openxmlformats.org/drawingml/2006/diagram" xmlns:o="urn:schemas-microsoft-com:office:office" xmlns:v="urn:schemas-microsoft-com:vml" xmlns:pvml="urn:schemas-microsoft-com:office:powerpoint" xmlns:com="http://schemas.openxmlformats.org/drawingml/2006/compatibility" xmlns:p14="http://schemas.microsoft.com/office/powerpoint/2010/main" xmlns:p15="http://schemas.microsoft.com/office/powerpoint/2012/main" xmlns:ahyp="http://schemas.microsoft.com/office/drawing/2018/hyperlinkcolor">
   <p:cSld>
     <p:spTree>
       <p:nvGrpSpPr>
-        <p:cNvPr id="173" name="Shape 173"/>
+        <p:cNvPr id="160" name="Shape 160"/>
+        <p:cNvGrpSpPr/>
+        <p:nvPr/>
+      </p:nvGrpSpPr>
+      <p:grpSpPr>
+        <a:xfrm>
+          <a:off x="0" y="0"/>
+          <a:ext cx="0" cy="0"/>
+          <a:chOff x="0" y="0"/>
+          <a:chExt cx="0" cy="0"/>
+        </a:xfrm>
+      </p:grpSpPr>
+      <p:sp>
+        <p:nvSpPr>
+          <p:cNvPr id="161" name="Google Shape;161;p27"/>
+          <p:cNvSpPr txBox="1"/>
+          <p:nvPr>
+            <p:ph type="title"/>
+          </p:nvPr>
+        </p:nvSpPr>
+        <p:spPr>
+          <a:xfrm>
+            <a:off x="941075" y="587650"/>
+            <a:ext cx="6598800" cy="4128900"/>
+          </a:xfrm>
+          <a:prstGeom prst="rect">
+            <a:avLst/>
+          </a:prstGeom>
+        </p:spPr>
+        <p:txBody>
+          <a:bodyPr anchorCtr="0" anchor="ctr" bIns="91425" lIns="91425" spcFirstLastPara="1" rIns="91425" wrap="square" tIns="91425">
+            <a:noAutofit/>
+          </a:bodyPr>
+          <a:lstStyle/>
+          <a:p>
+            <a:pPr indent="457200" lvl="0" marL="0" rtl="0" algn="just">
+              <a:lnSpc>
+                <a:spcPct val="150000"/>
+              </a:lnSpc>
+              <a:spcBef>
+                <a:spcPts val="0"/>
+              </a:spcBef>
+              <a:spcAft>
+                <a:spcPts val="0"/>
+              </a:spcAft>
+              <a:buNone/>
+            </a:pPr>
+            <a:r>
+              <a:rPr lang="ru" sz="2200" u="sng">
+                <a:solidFill>
+                  <a:srgbClr val="000000"/>
+                </a:solidFill>
+                <a:latin typeface="Roboto"/>
+                <a:ea typeface="Roboto"/>
+                <a:cs typeface="Roboto"/>
+                <a:sym typeface="Roboto"/>
+              </a:rPr>
+              <a:t>We have added the following improvements:</a:t>
+            </a:r>
+            <a:endParaRPr sz="2200" u="sng">
+              <a:solidFill>
+                <a:srgbClr val="000000"/>
+              </a:solidFill>
+              <a:latin typeface="Roboto"/>
+              <a:ea typeface="Roboto"/>
+              <a:cs typeface="Roboto"/>
+              <a:sym typeface="Roboto"/>
+            </a:endParaRPr>
+          </a:p>
+          <a:p>
+            <a:pPr indent="-368300" lvl="0" marL="457200" rtl="0" algn="just">
+              <a:lnSpc>
+                <a:spcPct val="150000"/>
+              </a:lnSpc>
+              <a:spcBef>
+                <a:spcPts val="0"/>
+              </a:spcBef>
+              <a:spcAft>
+                <a:spcPts val="0"/>
+              </a:spcAft>
+              <a:buClr>
+                <a:srgbClr val="000000"/>
+              </a:buClr>
+              <a:buSzPts val="2200"/>
+              <a:buFont typeface="Roboto"/>
+              <a:buAutoNum type="arabicPeriod"/>
+            </a:pPr>
+            <a:r>
+              <a:rPr lang="ru" sz="2200">
+                <a:solidFill>
+                  <a:srgbClr val="000000"/>
+                </a:solidFill>
+                <a:latin typeface="Roboto"/>
+                <a:ea typeface="Roboto"/>
+                <a:cs typeface="Roboto"/>
+                <a:sym typeface="Roboto"/>
+              </a:rPr>
+              <a:t>Score</a:t>
+            </a:r>
+            <a:endParaRPr sz="2200">
+              <a:solidFill>
+                <a:srgbClr val="000000"/>
+              </a:solidFill>
+              <a:latin typeface="Roboto"/>
+              <a:ea typeface="Roboto"/>
+              <a:cs typeface="Roboto"/>
+              <a:sym typeface="Roboto"/>
+            </a:endParaRPr>
+          </a:p>
+          <a:p>
+            <a:pPr indent="-368300" lvl="0" marL="457200" rtl="0" algn="just">
+              <a:lnSpc>
+                <a:spcPct val="150000"/>
+              </a:lnSpc>
+              <a:spcBef>
+                <a:spcPts val="0"/>
+              </a:spcBef>
+              <a:spcAft>
+                <a:spcPts val="0"/>
+              </a:spcAft>
+              <a:buClr>
+                <a:srgbClr val="000000"/>
+              </a:buClr>
+              <a:buSzPts val="2200"/>
+              <a:buFont typeface="Roboto"/>
+              <a:buAutoNum type="arabicPeriod"/>
+            </a:pPr>
+            <a:r>
+              <a:rPr lang="ru" sz="2200">
+                <a:solidFill>
+                  <a:srgbClr val="000000"/>
+                </a:solidFill>
+                <a:latin typeface="Roboto"/>
+                <a:ea typeface="Roboto"/>
+                <a:cs typeface="Roboto"/>
+                <a:sym typeface="Roboto"/>
+              </a:rPr>
+              <a:t>"Continue" button </a:t>
+            </a:r>
+            <a:endParaRPr sz="2200">
+              <a:solidFill>
+                <a:srgbClr val="000000"/>
+              </a:solidFill>
+              <a:latin typeface="Roboto"/>
+              <a:ea typeface="Roboto"/>
+              <a:cs typeface="Roboto"/>
+              <a:sym typeface="Roboto"/>
+            </a:endParaRPr>
+          </a:p>
+          <a:p>
+            <a:pPr indent="-368300" lvl="0" marL="457200" rtl="0" algn="just">
+              <a:lnSpc>
+                <a:spcPct val="150000"/>
+              </a:lnSpc>
+              <a:spcBef>
+                <a:spcPts val="0"/>
+              </a:spcBef>
+              <a:spcAft>
+                <a:spcPts val="0"/>
+              </a:spcAft>
+              <a:buClr>
+                <a:srgbClr val="000000"/>
+              </a:buClr>
+              <a:buSzPts val="2200"/>
+              <a:buFont typeface="Roboto"/>
+              <a:buAutoNum type="arabicPeriod"/>
+            </a:pPr>
+            <a:r>
+              <a:rPr lang="ru" sz="2200">
+                <a:solidFill>
+                  <a:srgbClr val="000000"/>
+                </a:solidFill>
+                <a:latin typeface="Roboto"/>
+                <a:ea typeface="Roboto"/>
+                <a:cs typeface="Roboto"/>
+                <a:sym typeface="Roboto"/>
+              </a:rPr>
+              <a:t>"Reset" button </a:t>
+            </a:r>
+            <a:endParaRPr sz="2200">
+              <a:solidFill>
+                <a:srgbClr val="000000"/>
+              </a:solidFill>
+              <a:latin typeface="Roboto"/>
+              <a:ea typeface="Roboto"/>
+              <a:cs typeface="Roboto"/>
+              <a:sym typeface="Roboto"/>
+            </a:endParaRPr>
+          </a:p>
+          <a:p>
+            <a:pPr indent="-368300" lvl="0" marL="457200" rtl="0" algn="just">
+              <a:lnSpc>
+                <a:spcPct val="150000"/>
+              </a:lnSpc>
+              <a:spcBef>
+                <a:spcPts val="0"/>
+              </a:spcBef>
+              <a:spcAft>
+                <a:spcPts val="0"/>
+              </a:spcAft>
+              <a:buClr>
+                <a:srgbClr val="000000"/>
+              </a:buClr>
+              <a:buSzPts val="2200"/>
+              <a:buFont typeface="Roboto"/>
+              <a:buAutoNum type="arabicPeriod"/>
+            </a:pPr>
+            <a:r>
+              <a:rPr lang="ru" sz="2200">
+                <a:solidFill>
+                  <a:srgbClr val="000000"/>
+                </a:solidFill>
+                <a:latin typeface="Roboto"/>
+                <a:ea typeface="Roboto"/>
+                <a:cs typeface="Roboto"/>
+                <a:sym typeface="Roboto"/>
+              </a:rPr>
+              <a:t>A game for two people</a:t>
+            </a:r>
+            <a:endParaRPr sz="2200">
+              <a:solidFill>
+                <a:srgbClr val="000000"/>
+              </a:solidFill>
+              <a:latin typeface="Roboto"/>
+              <a:ea typeface="Roboto"/>
+              <a:cs typeface="Roboto"/>
+              <a:sym typeface="Roboto"/>
+            </a:endParaRPr>
+          </a:p>
+          <a:p>
+            <a:pPr indent="-368300" lvl="0" marL="457200" rtl="0" algn="just">
+              <a:lnSpc>
+                <a:spcPct val="150000"/>
+              </a:lnSpc>
+              <a:spcBef>
+                <a:spcPts val="0"/>
+              </a:spcBef>
+              <a:spcAft>
+                <a:spcPts val="0"/>
+              </a:spcAft>
+              <a:buClr>
+                <a:srgbClr val="000000"/>
+              </a:buClr>
+              <a:buSzPts val="2200"/>
+              <a:buFont typeface="Roboto"/>
+              <a:buAutoNum type="arabicPeriod"/>
+            </a:pPr>
+            <a:r>
+              <a:rPr lang="ru" sz="2200">
+                <a:solidFill>
+                  <a:srgbClr val="000000"/>
+                </a:solidFill>
+                <a:latin typeface="Roboto"/>
+                <a:ea typeface="Roboto"/>
+                <a:cs typeface="Roboto"/>
+                <a:sym typeface="Roboto"/>
+              </a:rPr>
+              <a:t>Highlighting the winning row</a:t>
+            </a:r>
+            <a:endParaRPr sz="2200">
+              <a:solidFill>
+                <a:srgbClr val="000000"/>
+              </a:solidFill>
+              <a:latin typeface="Roboto"/>
+              <a:ea typeface="Roboto"/>
+              <a:cs typeface="Roboto"/>
+              <a:sym typeface="Roboto"/>
+            </a:endParaRPr>
+          </a:p>
+          <a:p>
+            <a:pPr indent="-368300" lvl="0" marL="457200" rtl="0" algn="just">
+              <a:lnSpc>
+                <a:spcPct val="150000"/>
+              </a:lnSpc>
+              <a:spcBef>
+                <a:spcPts val="0"/>
+              </a:spcBef>
+              <a:spcAft>
+                <a:spcPts val="0"/>
+              </a:spcAft>
+              <a:buClr>
+                <a:srgbClr val="000000"/>
+              </a:buClr>
+              <a:buSzPts val="2200"/>
+              <a:buFont typeface="Roboto"/>
+              <a:buAutoNum type="arabicPeriod"/>
+            </a:pPr>
+            <a:r>
+              <a:rPr lang="ru" sz="2200">
+                <a:solidFill>
+                  <a:srgbClr val="000000"/>
+                </a:solidFill>
+                <a:latin typeface="Roboto"/>
+                <a:ea typeface="Roboto"/>
+                <a:cs typeface="Roboto"/>
+                <a:sym typeface="Roboto"/>
+              </a:rPr>
+              <a:t>LEDs indicating a whose move</a:t>
+            </a:r>
+            <a:endParaRPr sz="2200">
+              <a:solidFill>
+                <a:srgbClr val="000000"/>
+              </a:solidFill>
+              <a:latin typeface="Roboto"/>
+              <a:ea typeface="Roboto"/>
+              <a:cs typeface="Roboto"/>
+              <a:sym typeface="Roboto"/>
+            </a:endParaRPr>
+          </a:p>
+          <a:p>
+            <a:pPr indent="0" lvl="0" marL="0" rtl="0" algn="just">
+              <a:spcBef>
+                <a:spcPts val="0"/>
+              </a:spcBef>
+              <a:spcAft>
+                <a:spcPts val="0"/>
+              </a:spcAft>
+              <a:buNone/>
+            </a:pPr>
+            <a:r>
+              <a:t/>
+            </a:r>
+            <a:endParaRPr sz="2200">
+              <a:solidFill>
+                <a:srgbClr val="000000"/>
+              </a:solidFill>
+              <a:latin typeface="Roboto"/>
+              <a:ea typeface="Roboto"/>
+              <a:cs typeface="Roboto"/>
+              <a:sym typeface="Roboto"/>
+            </a:endParaRPr>
+          </a:p>
+        </p:txBody>
+      </p:sp>
+    </p:spTree>
+  </p:cSld>
+  <p:clrMapOvr>
+    <a:masterClrMapping/>
+  </p:clrMapOvr>
+</p:sld>
+</file>
+
+<file path=ppt/slides/slide16.xml><?xml version="1.0" encoding="utf-8"?>
+<p:sld xmlns:a="http://schemas.openxmlformats.org/drawingml/2006/main" xmlns:r="http://schemas.openxmlformats.org/officeDocument/2006/relationships" xmlns:mc="http://schemas.openxmlformats.org/markup-compatibility/2006" xmlns:mv="urn:schemas-microsoft-com:mac:vml" xmlns:p="http://schemas.openxmlformats.org/presentationml/2006/main" xmlns:c="http://schemas.openxmlformats.org/drawingml/2006/chart" xmlns:dgm="http://schemas.openxmlformats.org/drawingml/2006/diagram" xmlns:o="urn:schemas-microsoft-com:office:office" xmlns:v="urn:schemas-microsoft-com:vml" xmlns:pvml="urn:schemas-microsoft-com:office:powerpoint" xmlns:com="http://schemas.openxmlformats.org/drawingml/2006/compatibility" xmlns:p14="http://schemas.microsoft.com/office/powerpoint/2010/main" xmlns:p15="http://schemas.microsoft.com/office/powerpoint/2012/main" xmlns:ahyp="http://schemas.microsoft.com/office/drawing/2018/hyperlinkcolor">
+  <p:cSld>
+    <p:spTree>
+      <p:nvGrpSpPr>
+        <p:cNvPr id="165" name="Shape 165"/>
         <p:cNvGrpSpPr/>
         <p:nvPr/>
       </p:nvGrpSpPr>
@@ -9468,7 +10325,7 @@
       </p:grpSpPr>
       <p:pic>
         <p:nvPicPr>
-          <p:cNvPr id="174" name="Google Shape;174;p30"/>
+          <p:cNvPr id="166" name="Google Shape;166;p28"/>
           <p:cNvPicPr preferRelativeResize="0"/>
           <p:nvPr/>
         </p:nvPicPr>
@@ -9529,7 +10386,7 @@
         </p:nvSpPr>
         <p:spPr>
           <a:xfrm>
-            <a:off x="311675" y="798600"/>
+            <a:off x="1448100" y="798600"/>
             <a:ext cx="6247800" cy="3546300"/>
           </a:xfrm>
           <a:prstGeom prst="rect">
@@ -9542,7 +10399,7 @@
           </a:bodyPr>
           <a:lstStyle/>
           <a:p>
-            <a:pPr indent="0" lvl="0" marL="0" rtl="0" algn="l">
+            <a:pPr indent="0" lvl="0" marL="0" rtl="0" algn="ctr">
               <a:spcBef>
                 <a:spcPts val="0"/>
               </a:spcBef>
@@ -9553,7 +10410,7 @@
             </a:pPr>
             <a:r>
               <a:rPr lang="ru"/>
-              <a:t>                          Introduction</a:t>
+              <a:t>Gamepad</a:t>
             </a:r>
             <a:endParaRPr/>
           </a:p>
@@ -9600,125 +10457,7 @@
         </p:blipFill>
         <p:spPr>
           <a:xfrm>
-            <a:off x="2172850" y="152400"/>
-            <a:ext cx="4798300" cy="4838701"/>
-          </a:xfrm>
-          <a:prstGeom prst="rect">
-            <a:avLst/>
-          </a:prstGeom>
-          <a:noFill/>
-          <a:ln>
-            <a:noFill/>
-          </a:ln>
-        </p:spPr>
-      </p:pic>
-    </p:spTree>
-  </p:cSld>
-  <p:clrMapOvr>
-    <a:masterClrMapping/>
-  </p:clrMapOvr>
-</p:sld>
-</file>
-
-<file path=ppt/slides/slide4.xml><?xml version="1.0" encoding="utf-8"?>
-<p:sld xmlns:a="http://schemas.openxmlformats.org/drawingml/2006/main" xmlns:r="http://schemas.openxmlformats.org/officeDocument/2006/relationships" xmlns:mc="http://schemas.openxmlformats.org/markup-compatibility/2006" xmlns:mv="urn:schemas-microsoft-com:mac:vml" xmlns:p="http://schemas.openxmlformats.org/presentationml/2006/main" xmlns:c="http://schemas.openxmlformats.org/drawingml/2006/chart" xmlns:dgm="http://schemas.openxmlformats.org/drawingml/2006/diagram" xmlns:o="urn:schemas-microsoft-com:office:office" xmlns:v="urn:schemas-microsoft-com:vml" xmlns:pvml="urn:schemas-microsoft-com:office:powerpoint" xmlns:com="http://schemas.openxmlformats.org/drawingml/2006/compatibility" xmlns:p14="http://schemas.microsoft.com/office/powerpoint/2010/main" xmlns:p15="http://schemas.microsoft.com/office/powerpoint/2012/main" xmlns:ahyp="http://schemas.microsoft.com/office/drawing/2018/hyperlinkcolor">
-  <p:cSld>
-    <p:spTree>
-      <p:nvGrpSpPr>
-        <p:cNvPr id="79" name="Shape 79"/>
-        <p:cNvGrpSpPr/>
-        <p:nvPr/>
-      </p:nvGrpSpPr>
-      <p:grpSpPr>
-        <a:xfrm>
-          <a:off x="0" y="0"/>
-          <a:ext cx="0" cy="0"/>
-          <a:chOff x="0" y="0"/>
-          <a:chExt cx="0" cy="0"/>
-        </a:xfrm>
-      </p:grpSpPr>
-      <p:sp>
-        <p:nvSpPr>
-          <p:cNvPr id="80" name="Google Shape;80;p16"/>
-          <p:cNvSpPr txBox="1"/>
-          <p:nvPr>
-            <p:ph type="title"/>
-          </p:nvPr>
-        </p:nvSpPr>
-        <p:spPr>
-          <a:xfrm>
-            <a:off x="2458800" y="1716600"/>
-            <a:ext cx="4226400" cy="1710300"/>
-          </a:xfrm>
-          <a:prstGeom prst="rect">
-            <a:avLst/>
-          </a:prstGeom>
-        </p:spPr>
-        <p:txBody>
-          <a:bodyPr anchorCtr="0" anchor="ctr" bIns="91425" lIns="91425" spcFirstLastPara="1" rIns="91425" wrap="square" tIns="91425">
-            <a:normAutofit/>
-          </a:bodyPr>
-          <a:lstStyle/>
-          <a:p>
-            <a:pPr indent="0" lvl="0" marL="0" rtl="0" algn="ctr">
-              <a:spcBef>
-                <a:spcPts val="0"/>
-              </a:spcBef>
-              <a:spcAft>
-                <a:spcPts val="0"/>
-              </a:spcAft>
-              <a:buNone/>
-            </a:pPr>
-            <a:r>
-              <a:rPr lang="ru"/>
-              <a:t>Gamepad</a:t>
-            </a:r>
-            <a:endParaRPr/>
-          </a:p>
-        </p:txBody>
-      </p:sp>
-    </p:spTree>
-  </p:cSld>
-  <p:clrMapOvr>
-    <a:masterClrMapping/>
-  </p:clrMapOvr>
-</p:sld>
-</file>
-
-<file path=ppt/slides/slide5.xml><?xml version="1.0" encoding="utf-8"?>
-<p:sld xmlns:a="http://schemas.openxmlformats.org/drawingml/2006/main" xmlns:r="http://schemas.openxmlformats.org/officeDocument/2006/relationships" xmlns:mc="http://schemas.openxmlformats.org/markup-compatibility/2006" xmlns:mv="urn:schemas-microsoft-com:mac:vml" xmlns:p="http://schemas.openxmlformats.org/presentationml/2006/main" xmlns:c="http://schemas.openxmlformats.org/drawingml/2006/chart" xmlns:dgm="http://schemas.openxmlformats.org/drawingml/2006/diagram" xmlns:o="urn:schemas-microsoft-com:office:office" xmlns:v="urn:schemas-microsoft-com:vml" xmlns:pvml="urn:schemas-microsoft-com:office:powerpoint" xmlns:com="http://schemas.openxmlformats.org/drawingml/2006/compatibility" xmlns:p14="http://schemas.microsoft.com/office/powerpoint/2010/main" xmlns:p15="http://schemas.microsoft.com/office/powerpoint/2012/main" xmlns:ahyp="http://schemas.microsoft.com/office/drawing/2018/hyperlinkcolor">
-  <p:cSld>
-    <p:spTree>
-      <p:nvGrpSpPr>
-        <p:cNvPr id="84" name="Shape 84"/>
-        <p:cNvGrpSpPr/>
-        <p:nvPr/>
-      </p:nvGrpSpPr>
-      <p:grpSpPr>
-        <a:xfrm>
-          <a:off x="0" y="0"/>
-          <a:ext cx="0" cy="0"/>
-          <a:chOff x="0" y="0"/>
-          <a:chExt cx="0" cy="0"/>
-        </a:xfrm>
-      </p:grpSpPr>
-      <p:pic>
-        <p:nvPicPr>
-          <p:cNvPr id="85" name="Google Shape;85;p17"/>
-          <p:cNvPicPr preferRelativeResize="0"/>
-          <p:nvPr/>
-        </p:nvPicPr>
-        <p:blipFill>
-          <a:blip r:embed="rId3">
-            <a:alphaModFix/>
-          </a:blip>
-          <a:stretch>
-            <a:fillRect/>
-          </a:stretch>
-        </p:blipFill>
-        <p:spPr>
-          <a:xfrm>
-            <a:off x="2300738" y="1007550"/>
+            <a:off x="2300738" y="626550"/>
             <a:ext cx="4542529" cy="3128400"/>
           </a:xfrm>
           <a:prstGeom prst="rect">
@@ -9732,13 +10471,13 @@
       </p:pic>
       <p:sp>
         <p:nvSpPr>
-          <p:cNvPr id="86" name="Google Shape;86;p17"/>
+          <p:cNvPr id="76" name="Google Shape;76;p15"/>
           <p:cNvSpPr txBox="1"/>
           <p:nvPr/>
         </p:nvSpPr>
         <p:spPr>
           <a:xfrm>
-            <a:off x="855200" y="4412250"/>
+            <a:off x="855200" y="4031250"/>
             <a:ext cx="7138800" cy="492600"/>
           </a:xfrm>
           <a:prstGeom prst="rect">
@@ -9755,7 +10494,7 @@
           </a:bodyPr>
           <a:lstStyle/>
           <a:p>
-            <a:pPr indent="0" lvl="0" marL="0" rtl="0" algn="l">
+            <a:pPr indent="0" lvl="0" marL="0" rtl="0" algn="ctr">
               <a:spcBef>
                 <a:spcPts val="0"/>
               </a:spcBef>
@@ -9771,7 +10510,7 @@
                 <a:cs typeface="Roboto"/>
                 <a:sym typeface="Roboto"/>
               </a:rPr>
-              <a:t>                                               Playing field</a:t>
+              <a:t>Playing field</a:t>
             </a:r>
             <a:endParaRPr sz="2000">
               <a:latin typeface="Roboto"/>
@@ -9790,12 +10529,12 @@
 </p:sld>
 </file>
 
-<file path=ppt/slides/slide6.xml><?xml version="1.0" encoding="utf-8"?>
+<file path=ppt/slides/slide4.xml><?xml version="1.0" encoding="utf-8"?>
 <p:sld xmlns:a="http://schemas.openxmlformats.org/drawingml/2006/main" xmlns:r="http://schemas.openxmlformats.org/officeDocument/2006/relationships" xmlns:mc="http://schemas.openxmlformats.org/markup-compatibility/2006" xmlns:mv="urn:schemas-microsoft-com:mac:vml" xmlns:p="http://schemas.openxmlformats.org/presentationml/2006/main" xmlns:c="http://schemas.openxmlformats.org/drawingml/2006/chart" xmlns:dgm="http://schemas.openxmlformats.org/drawingml/2006/diagram" xmlns:o="urn:schemas-microsoft-com:office:office" xmlns:v="urn:schemas-microsoft-com:vml" xmlns:pvml="urn:schemas-microsoft-com:office:powerpoint" xmlns:com="http://schemas.openxmlformats.org/drawingml/2006/compatibility" xmlns:p14="http://schemas.microsoft.com/office/powerpoint/2010/main" xmlns:p15="http://schemas.microsoft.com/office/powerpoint/2012/main" xmlns:ahyp="http://schemas.microsoft.com/office/drawing/2018/hyperlinkcolor">
   <p:cSld>
     <p:spTree>
       <p:nvGrpSpPr>
-        <p:cNvPr id="90" name="Shape 90"/>
+        <p:cNvPr id="80" name="Shape 80"/>
         <p:cNvGrpSpPr/>
         <p:nvPr/>
       </p:nvGrpSpPr>
@@ -9809,7 +10548,7 @@
       </p:grpSpPr>
       <p:pic>
         <p:nvPicPr>
-          <p:cNvPr id="91" name="Google Shape;91;p18"/>
+          <p:cNvPr id="81" name="Google Shape;81;p16"/>
           <p:cNvPicPr preferRelativeResize="0"/>
           <p:nvPr/>
         </p:nvPicPr>
@@ -9822,7 +10561,7 @@
         </p:blipFill>
         <p:spPr>
           <a:xfrm>
-            <a:off x="1177575" y="836489"/>
+            <a:off x="986700" y="912689"/>
             <a:ext cx="3185850" cy="2556125"/>
           </a:xfrm>
           <a:prstGeom prst="rect">
@@ -9836,7 +10575,7 @@
       </p:pic>
       <p:pic>
         <p:nvPicPr>
-          <p:cNvPr id="92" name="Google Shape;92;p18"/>
+          <p:cNvPr id="82" name="Google Shape;82;p16"/>
           <p:cNvPicPr preferRelativeResize="0"/>
           <p:nvPr/>
         </p:nvPicPr>
@@ -9849,7 +10588,7 @@
         </p:blipFill>
         <p:spPr>
           <a:xfrm>
-            <a:off x="5490000" y="1594675"/>
+            <a:off x="5251875" y="1291763"/>
             <a:ext cx="2997150" cy="1797950"/>
           </a:xfrm>
           <a:prstGeom prst="rect">
@@ -9863,13 +10602,13 @@
       </p:pic>
       <p:sp>
         <p:nvSpPr>
-          <p:cNvPr id="93" name="Google Shape;93;p18"/>
+          <p:cNvPr id="83" name="Google Shape;83;p16"/>
           <p:cNvSpPr txBox="1"/>
           <p:nvPr/>
         </p:nvSpPr>
         <p:spPr>
           <a:xfrm>
-            <a:off x="658975" y="3793625"/>
+            <a:off x="677175" y="3683850"/>
             <a:ext cx="3804900" cy="492600"/>
           </a:xfrm>
           <a:prstGeom prst="rect">
@@ -9886,7 +10625,7 @@
           </a:bodyPr>
           <a:lstStyle/>
           <a:p>
-            <a:pPr indent="0" lvl="0" marL="0" rtl="0" algn="l">
+            <a:pPr indent="0" lvl="0" marL="0" rtl="0" algn="ctr">
               <a:spcBef>
                 <a:spcPts val="0"/>
               </a:spcBef>
@@ -9902,7 +10641,7 @@
                 <a:cs typeface="Roboto"/>
                 <a:sym typeface="Roboto"/>
               </a:rPr>
-              <a:t>       Game mode selection panel</a:t>
+              <a:t>Game mode selection panel</a:t>
             </a:r>
             <a:endParaRPr sz="2000">
               <a:latin typeface="Roboto"/>
@@ -9915,13 +10654,13 @@
       </p:sp>
       <p:sp>
         <p:nvSpPr>
-          <p:cNvPr id="94" name="Google Shape;94;p18"/>
+          <p:cNvPr id="84" name="Google Shape;84;p16"/>
           <p:cNvSpPr txBox="1"/>
           <p:nvPr/>
         </p:nvSpPr>
         <p:spPr>
           <a:xfrm>
-            <a:off x="5261925" y="3793625"/>
+            <a:off x="5023800" y="3683850"/>
             <a:ext cx="3453300" cy="492600"/>
           </a:xfrm>
           <a:prstGeom prst="rect">
@@ -9973,12 +10712,12 @@
 </p:sld>
 </file>
 
-<file path=ppt/slides/slide7.xml><?xml version="1.0" encoding="utf-8"?>
+<file path=ppt/slides/slide5.xml><?xml version="1.0" encoding="utf-8"?>
 <p:sld xmlns:a="http://schemas.openxmlformats.org/drawingml/2006/main" xmlns:r="http://schemas.openxmlformats.org/officeDocument/2006/relationships" xmlns:mc="http://schemas.openxmlformats.org/markup-compatibility/2006" xmlns:mv="urn:schemas-microsoft-com:mac:vml" xmlns:p="http://schemas.openxmlformats.org/presentationml/2006/main" xmlns:c="http://schemas.openxmlformats.org/drawingml/2006/chart" xmlns:dgm="http://schemas.openxmlformats.org/drawingml/2006/diagram" xmlns:o="urn:schemas-microsoft-com:office:office" xmlns:v="urn:schemas-microsoft-com:vml" xmlns:pvml="urn:schemas-microsoft-com:office:powerpoint" xmlns:com="http://schemas.openxmlformats.org/drawingml/2006/compatibility" xmlns:p14="http://schemas.microsoft.com/office/powerpoint/2010/main" xmlns:p15="http://schemas.microsoft.com/office/powerpoint/2012/main" xmlns:ahyp="http://schemas.microsoft.com/office/drawing/2018/hyperlinkcolor">
   <p:cSld>
     <p:spTree>
       <p:nvGrpSpPr>
-        <p:cNvPr id="98" name="Shape 98"/>
+        <p:cNvPr id="88" name="Shape 88"/>
         <p:cNvGrpSpPr/>
         <p:nvPr/>
       </p:nvGrpSpPr>
@@ -9992,7 +10731,7 @@
       </p:grpSpPr>
       <p:pic>
         <p:nvPicPr>
-          <p:cNvPr id="99" name="Google Shape;99;p19"/>
+          <p:cNvPr id="89" name="Google Shape;89;p17"/>
           <p:cNvPicPr preferRelativeResize="0"/>
           <p:nvPr/>
         </p:nvPicPr>
@@ -10019,7 +10758,7 @@
       </p:pic>
       <p:pic>
         <p:nvPicPr>
-          <p:cNvPr id="100" name="Google Shape;100;p19"/>
+          <p:cNvPr id="90" name="Google Shape;90;p17"/>
           <p:cNvPicPr preferRelativeResize="0"/>
           <p:nvPr/>
         </p:nvPicPr>
@@ -10047,13 +10786,13 @@
       </p:pic>
       <p:sp>
         <p:nvSpPr>
-          <p:cNvPr id="101" name="Google Shape;101;p19"/>
+          <p:cNvPr id="91" name="Google Shape;91;p17"/>
           <p:cNvSpPr txBox="1"/>
           <p:nvPr/>
         </p:nvSpPr>
         <p:spPr>
           <a:xfrm>
-            <a:off x="159588" y="3837925"/>
+            <a:off x="159575" y="3837925"/>
             <a:ext cx="4412400" cy="492600"/>
           </a:xfrm>
           <a:prstGeom prst="rect">
@@ -10099,7 +10838,7 @@
       </p:sp>
       <p:sp>
         <p:nvSpPr>
-          <p:cNvPr id="102" name="Google Shape;102;p19"/>
+          <p:cNvPr id="92" name="Google Shape;92;p17"/>
           <p:cNvSpPr txBox="1"/>
           <p:nvPr/>
         </p:nvSpPr>
@@ -10166,12 +10905,12 @@
 </p:sld>
 </file>
 
-<file path=ppt/slides/slide8.xml><?xml version="1.0" encoding="utf-8"?>
+<file path=ppt/slides/slide6.xml><?xml version="1.0" encoding="utf-8"?>
 <p:sld xmlns:a="http://schemas.openxmlformats.org/drawingml/2006/main" xmlns:r="http://schemas.openxmlformats.org/officeDocument/2006/relationships" xmlns:mc="http://schemas.openxmlformats.org/markup-compatibility/2006" xmlns:mv="urn:schemas-microsoft-com:mac:vml" xmlns:p="http://schemas.openxmlformats.org/presentationml/2006/main" xmlns:c="http://schemas.openxmlformats.org/drawingml/2006/chart" xmlns:dgm="http://schemas.openxmlformats.org/drawingml/2006/diagram" xmlns:o="urn:schemas-microsoft-com:office:office" xmlns:v="urn:schemas-microsoft-com:vml" xmlns:pvml="urn:schemas-microsoft-com:office:powerpoint" xmlns:com="http://schemas.openxmlformats.org/drawingml/2006/compatibility" xmlns:p14="http://schemas.microsoft.com/office/powerpoint/2010/main" xmlns:p15="http://schemas.microsoft.com/office/powerpoint/2012/main" xmlns:ahyp="http://schemas.microsoft.com/office/drawing/2018/hyperlinkcolor">
   <p:cSld>
     <p:spTree>
       <p:nvGrpSpPr>
-        <p:cNvPr id="106" name="Shape 106"/>
+        <p:cNvPr id="96" name="Shape 96"/>
         <p:cNvGrpSpPr/>
         <p:nvPr/>
       </p:nvGrpSpPr>
@@ -10185,7 +10924,7 @@
       </p:grpSpPr>
       <p:pic>
         <p:nvPicPr>
-          <p:cNvPr id="107" name="Google Shape;107;p20"/>
+          <p:cNvPr id="97" name="Google Shape;97;p18"/>
           <p:cNvPicPr preferRelativeResize="0"/>
           <p:nvPr/>
         </p:nvPicPr>
@@ -10213,7 +10952,7 @@
       </p:pic>
       <p:pic>
         <p:nvPicPr>
-          <p:cNvPr id="108" name="Google Shape;108;p20"/>
+          <p:cNvPr id="98" name="Google Shape;98;p18"/>
           <p:cNvPicPr preferRelativeResize="0"/>
           <p:nvPr/>
         </p:nvPicPr>
@@ -10241,7 +10980,7 @@
       </p:pic>
       <p:pic>
         <p:nvPicPr>
-          <p:cNvPr id="109" name="Google Shape;109;p20"/>
+          <p:cNvPr id="99" name="Google Shape;99;p18"/>
           <p:cNvPicPr preferRelativeResize="0"/>
           <p:nvPr/>
         </p:nvPicPr>
@@ -10269,7 +11008,7 @@
       </p:pic>
       <p:sp>
         <p:nvSpPr>
-          <p:cNvPr id="110" name="Google Shape;110;p20"/>
+          <p:cNvPr id="100" name="Google Shape;100;p18"/>
           <p:cNvSpPr txBox="1"/>
           <p:nvPr/>
         </p:nvSpPr>
@@ -10321,7 +11060,7 @@
       </p:sp>
       <p:sp>
         <p:nvSpPr>
-          <p:cNvPr id="111" name="Google Shape;111;p20"/>
+          <p:cNvPr id="101" name="Google Shape;101;p18"/>
           <p:cNvSpPr txBox="1"/>
           <p:nvPr/>
         </p:nvSpPr>
@@ -10373,7 +11112,7 @@
       </p:sp>
       <p:sp>
         <p:nvSpPr>
-          <p:cNvPr id="112" name="Google Shape;112;p20"/>
+          <p:cNvPr id="102" name="Google Shape;102;p18"/>
           <p:cNvSpPr txBox="1"/>
           <p:nvPr/>
         </p:nvSpPr>
@@ -10431,12 +11170,12 @@
 </p:sld>
 </file>
 
-<file path=ppt/slides/slide9.xml><?xml version="1.0" encoding="utf-8"?>
+<file path=ppt/slides/slide7.xml><?xml version="1.0" encoding="utf-8"?>
 <p:sld xmlns:a="http://schemas.openxmlformats.org/drawingml/2006/main" xmlns:r="http://schemas.openxmlformats.org/officeDocument/2006/relationships" xmlns:mc="http://schemas.openxmlformats.org/markup-compatibility/2006" xmlns:mv="urn:schemas-microsoft-com:mac:vml" xmlns:p="http://schemas.openxmlformats.org/presentationml/2006/main" xmlns:c="http://schemas.openxmlformats.org/drawingml/2006/chart" xmlns:dgm="http://schemas.openxmlformats.org/drawingml/2006/diagram" xmlns:o="urn:schemas-microsoft-com:office:office" xmlns:v="urn:schemas-microsoft-com:vml" xmlns:pvml="urn:schemas-microsoft-com:office:powerpoint" xmlns:com="http://schemas.openxmlformats.org/drawingml/2006/compatibility" xmlns:p14="http://schemas.microsoft.com/office/powerpoint/2010/main" xmlns:p15="http://schemas.microsoft.com/office/powerpoint/2012/main" xmlns:ahyp="http://schemas.microsoft.com/office/drawing/2018/hyperlinkcolor">
   <p:cSld>
     <p:spTree>
       <p:nvGrpSpPr>
-        <p:cNvPr id="116" name="Shape 116"/>
+        <p:cNvPr id="106" name="Shape 106"/>
         <p:cNvGrpSpPr/>
         <p:nvPr/>
       </p:nvGrpSpPr>
@@ -10450,7 +11189,7 @@
       </p:grpSpPr>
       <p:pic>
         <p:nvPicPr>
-          <p:cNvPr id="117" name="Google Shape;117;p21"/>
+          <p:cNvPr id="107" name="Google Shape;107;p19"/>
           <p:cNvPicPr preferRelativeResize="0"/>
           <p:nvPr/>
         </p:nvPicPr>
@@ -10464,7 +11203,7 @@
         </p:blipFill>
         <p:spPr>
           <a:xfrm>
-            <a:off x="1163988" y="251550"/>
+            <a:off x="1163988" y="409875"/>
             <a:ext cx="6816025" cy="1582750"/>
           </a:xfrm>
           <a:prstGeom prst="rect">
@@ -10478,13 +11217,13 @@
       </p:pic>
       <p:sp>
         <p:nvSpPr>
-          <p:cNvPr id="118" name="Google Shape;118;p21"/>
+          <p:cNvPr id="108" name="Google Shape;108;p19"/>
           <p:cNvSpPr txBox="1"/>
           <p:nvPr/>
         </p:nvSpPr>
         <p:spPr>
           <a:xfrm>
-            <a:off x="1566450" y="1990863"/>
+            <a:off x="1566463" y="2143263"/>
             <a:ext cx="6011100" cy="492600"/>
           </a:xfrm>
           <a:prstGeom prst="rect">
@@ -10530,7 +11269,7 @@
       </p:sp>
       <p:pic>
         <p:nvPicPr>
-          <p:cNvPr id="119" name="Google Shape;119;p21"/>
+          <p:cNvPr id="109" name="Google Shape;109;p19"/>
           <p:cNvPicPr preferRelativeResize="0"/>
           <p:nvPr/>
         </p:nvPicPr>
@@ -10544,7 +11283,7 @@
         </p:blipFill>
         <p:spPr>
           <a:xfrm>
-            <a:off x="6515050" y="2718288"/>
+            <a:off x="6515050" y="2870688"/>
             <a:ext cx="1710500" cy="1338050"/>
           </a:xfrm>
           <a:prstGeom prst="rect">
@@ -10558,7 +11297,7 @@
       </p:pic>
       <p:pic>
         <p:nvPicPr>
-          <p:cNvPr id="120" name="Google Shape;120;p21"/>
+          <p:cNvPr id="110" name="Google Shape;110;p19"/>
           <p:cNvPicPr preferRelativeResize="0"/>
           <p:nvPr/>
         </p:nvPicPr>
@@ -10572,7 +11311,7 @@
         </p:blipFill>
         <p:spPr>
           <a:xfrm>
-            <a:off x="1409512" y="2634125"/>
+            <a:off x="1409512" y="2786525"/>
             <a:ext cx="1219475" cy="1506400"/>
           </a:xfrm>
           <a:prstGeom prst="rect">
@@ -10586,13 +11325,13 @@
       </p:pic>
       <p:sp>
         <p:nvSpPr>
-          <p:cNvPr id="121" name="Google Shape;121;p21"/>
+          <p:cNvPr id="111" name="Google Shape;111;p19"/>
           <p:cNvSpPr txBox="1"/>
           <p:nvPr/>
         </p:nvSpPr>
         <p:spPr>
           <a:xfrm>
-            <a:off x="6256700" y="4190725"/>
+            <a:off x="6256700" y="4343125"/>
             <a:ext cx="2227200" cy="492600"/>
           </a:xfrm>
           <a:prstGeom prst="rect">
@@ -10638,13 +11377,13 @@
       </p:sp>
       <p:sp>
         <p:nvSpPr>
-          <p:cNvPr id="122" name="Google Shape;122;p21"/>
+          <p:cNvPr id="112" name="Google Shape;112;p19"/>
           <p:cNvSpPr txBox="1"/>
           <p:nvPr/>
         </p:nvSpPr>
         <p:spPr>
           <a:xfrm>
-            <a:off x="905638" y="4291175"/>
+            <a:off x="905625" y="4343125"/>
             <a:ext cx="2227200" cy="492600"/>
           </a:xfrm>
           <a:prstGeom prst="rect">
@@ -10688,6 +11427,168 @@
           </a:p>
         </p:txBody>
       </p:sp>
+    </p:spTree>
+  </p:cSld>
+  <p:clrMapOvr>
+    <a:masterClrMapping/>
+  </p:clrMapOvr>
+</p:sld>
+</file>
+
+<file path=ppt/slides/slide8.xml><?xml version="1.0" encoding="utf-8"?>
+<p:sld xmlns:a="http://schemas.openxmlformats.org/drawingml/2006/main" xmlns:r="http://schemas.openxmlformats.org/officeDocument/2006/relationships" xmlns:mc="http://schemas.openxmlformats.org/markup-compatibility/2006" xmlns:mv="urn:schemas-microsoft-com:mac:vml" xmlns:p="http://schemas.openxmlformats.org/presentationml/2006/main" xmlns:c="http://schemas.openxmlformats.org/drawingml/2006/chart" xmlns:dgm="http://schemas.openxmlformats.org/drawingml/2006/diagram" xmlns:o="urn:schemas-microsoft-com:office:office" xmlns:v="urn:schemas-microsoft-com:vml" xmlns:pvml="urn:schemas-microsoft-com:office:powerpoint" xmlns:com="http://schemas.openxmlformats.org/drawingml/2006/compatibility" xmlns:p14="http://schemas.microsoft.com/office/powerpoint/2010/main" xmlns:p15="http://schemas.microsoft.com/office/powerpoint/2012/main" xmlns:ahyp="http://schemas.microsoft.com/office/drawing/2018/hyperlinkcolor">
+  <p:cSld>
+    <p:spTree>
+      <p:nvGrpSpPr>
+        <p:cNvPr id="116" name="Shape 116"/>
+        <p:cNvGrpSpPr/>
+        <p:nvPr/>
+      </p:nvGrpSpPr>
+      <p:grpSpPr>
+        <a:xfrm>
+          <a:off x="0" y="0"/>
+          <a:ext cx="0" cy="0"/>
+          <a:chOff x="0" y="0"/>
+          <a:chExt cx="0" cy="0"/>
+        </a:xfrm>
+      </p:grpSpPr>
+      <p:sp>
+        <p:nvSpPr>
+          <p:cNvPr id="117" name="Google Shape;117;p20"/>
+          <p:cNvSpPr txBox="1"/>
+          <p:nvPr>
+            <p:ph type="title"/>
+          </p:nvPr>
+        </p:nvSpPr>
+        <p:spPr>
+          <a:xfrm>
+            <a:off x="1448100" y="798600"/>
+            <a:ext cx="6247800" cy="3546300"/>
+          </a:xfrm>
+          <a:prstGeom prst="rect">
+            <a:avLst/>
+          </a:prstGeom>
+        </p:spPr>
+        <p:txBody>
+          <a:bodyPr anchorCtr="0" anchor="ctr" bIns="91425" lIns="91425" spcFirstLastPara="1" rIns="91425" wrap="square" tIns="91425">
+            <a:normAutofit/>
+          </a:bodyPr>
+          <a:lstStyle/>
+          <a:p>
+            <a:pPr indent="0" lvl="0" marL="0" rtl="0" algn="ctr">
+              <a:spcBef>
+                <a:spcPts val="0"/>
+              </a:spcBef>
+              <a:spcAft>
+                <a:spcPts val="0"/>
+              </a:spcAft>
+              <a:buNone/>
+            </a:pPr>
+            <a:r>
+              <a:rPr lang="ru"/>
+              <a:t>Hardware improvements</a:t>
+            </a:r>
+            <a:endParaRPr/>
+          </a:p>
+        </p:txBody>
+      </p:sp>
+    </p:spTree>
+  </p:cSld>
+  <p:clrMapOvr>
+    <a:masterClrMapping/>
+  </p:clrMapOvr>
+</p:sld>
+</file>
+
+<file path=ppt/slides/slide9.xml><?xml version="1.0" encoding="utf-8"?>
+<p:sld xmlns:a="http://schemas.openxmlformats.org/drawingml/2006/main" xmlns:r="http://schemas.openxmlformats.org/officeDocument/2006/relationships" xmlns:mc="http://schemas.openxmlformats.org/markup-compatibility/2006" xmlns:mv="urn:schemas-microsoft-com:mac:vml" xmlns:p="http://schemas.openxmlformats.org/presentationml/2006/main" xmlns:c="http://schemas.openxmlformats.org/drawingml/2006/chart" xmlns:dgm="http://schemas.openxmlformats.org/drawingml/2006/diagram" xmlns:o="urn:schemas-microsoft-com:office:office" xmlns:v="urn:schemas-microsoft-com:vml" xmlns:pvml="urn:schemas-microsoft-com:office:powerpoint" xmlns:com="http://schemas.openxmlformats.org/drawingml/2006/compatibility" xmlns:p14="http://schemas.microsoft.com/office/powerpoint/2010/main" xmlns:p15="http://schemas.microsoft.com/office/powerpoint/2012/main" xmlns:ahyp="http://schemas.microsoft.com/office/drawing/2018/hyperlinkcolor">
+  <p:cSld>
+    <p:spTree>
+      <p:nvGrpSpPr>
+        <p:cNvPr id="121" name="Shape 121"/>
+        <p:cNvGrpSpPr/>
+        <p:nvPr/>
+      </p:nvGrpSpPr>
+      <p:grpSpPr>
+        <a:xfrm>
+          <a:off x="0" y="0"/>
+          <a:ext cx="0" cy="0"/>
+          <a:chOff x="0" y="0"/>
+          <a:chExt cx="0" cy="0"/>
+        </a:xfrm>
+      </p:grpSpPr>
+      <p:sp>
+        <p:nvSpPr>
+          <p:cNvPr id="122" name="Google Shape;122;p21"/>
+          <p:cNvSpPr txBox="1"/>
+          <p:nvPr>
+            <p:ph type="title"/>
+          </p:nvPr>
+        </p:nvSpPr>
+        <p:spPr>
+          <a:xfrm>
+            <a:off x="2342400" y="4106225"/>
+            <a:ext cx="4459200" cy="725400"/>
+          </a:xfrm>
+          <a:prstGeom prst="rect">
+            <a:avLst/>
+          </a:prstGeom>
+        </p:spPr>
+        <p:txBody>
+          <a:bodyPr anchorCtr="0" anchor="ctr" bIns="91425" lIns="91425" spcFirstLastPara="1" rIns="91425" wrap="square" tIns="91425">
+            <a:normAutofit/>
+          </a:bodyPr>
+          <a:lstStyle/>
+          <a:p>
+            <a:pPr indent="0" lvl="0" marL="0" rtl="0" algn="ctr">
+              <a:spcBef>
+                <a:spcPts val="0"/>
+              </a:spcBef>
+              <a:spcAft>
+                <a:spcPts val="0"/>
+              </a:spcAft>
+              <a:buNone/>
+            </a:pPr>
+            <a:r>
+              <a:rPr lang="ru" sz="2000"/>
+              <a:t>I</a:t>
+            </a:r>
+            <a:r>
+              <a:rPr lang="ru" sz="2000"/>
+              <a:t>nterrupt arbiters</a:t>
+            </a:r>
+            <a:endParaRPr sz="2000"/>
+          </a:p>
+        </p:txBody>
+      </p:sp>
+      <p:pic>
+        <p:nvPicPr>
+          <p:cNvPr id="123" name="Google Shape;123;p21"/>
+          <p:cNvPicPr preferRelativeResize="0"/>
+          <p:nvPr/>
+        </p:nvPicPr>
+        <p:blipFill>
+          <a:blip r:embed="rId3">
+            <a:alphaModFix/>
+          </a:blip>
+          <a:stretch>
+            <a:fillRect/>
+          </a:stretch>
+        </p:blipFill>
+        <p:spPr>
+          <a:xfrm>
+            <a:off x="1914525" y="690550"/>
+            <a:ext cx="5314950" cy="3305175"/>
+          </a:xfrm>
+          <a:prstGeom prst="rect">
+            <a:avLst/>
+          </a:prstGeom>
+          <a:noFill/>
+          <a:ln>
+            <a:noFill/>
+          </a:ln>
+        </p:spPr>
+      </p:pic>
     </p:spTree>
   </p:cSld>
   <p:clrMapOvr>
